--- a/Presentation/Statistical Inference for Entropy.pptx
+++ b/Presentation/Statistical Inference for Entropy.pptx
@@ -3136,22 +3136,72 @@
         </a:p>
       </dgm:t>
     </dgm:pt>
-    <dgm:pt modelId="{E7F58FB7-75F6-4C37-84C4-7F362EFBF319}">
-      <dgm:prSet custT="1"/>
-      <dgm:spPr/>
-      <dgm:t>
-        <a:bodyPr anchor="ctr"/>
-        <a:lstStyle/>
-        <a:p>
-          <a:pPr algn="ctr" rtl="0"/>
-          <a:r>
-            <a:rPr lang="en-GB" sz="2000" dirty="0" smtClean="0"/>
-            <a:t>“What is the optimal value to choose for k in terms of reducing the bias?”</a:t>
-          </a:r>
-          <a:endParaRPr lang="en-GB" sz="2000" dirty="0"/>
-        </a:p>
-      </dgm:t>
-    </dgm:pt>
+    <mc:AlternateContent xmlns:mc="http://schemas.openxmlformats.org/markup-compatibility/2006" xmlns:a14="http://schemas.microsoft.com/office/drawing/2010/main">
+      <mc:Choice Requires="a14">
+        <dgm:pt modelId="{E7F58FB7-75F6-4C37-84C4-7F362EFBF319}">
+          <dgm:prSet custT="1"/>
+          <dgm:spPr/>
+          <dgm:t>
+            <a:bodyPr anchor="ctr"/>
+            <a:lstStyle/>
+            <a:p>
+              <a:pPr algn="ctr" rtl="0"/>
+              <a:r>
+                <a:rPr lang="en-GB" sz="2000" dirty="0" smtClean="0"/>
+                <a:t>“What is the optimal value to choose for </a:t>
+              </a:r>
+              <a14:m>
+                <m:oMath xmlns:m="http://schemas.openxmlformats.org/officeDocument/2006/math">
+                  <m:r>
+                    <a:rPr lang="en-GB" sz="2000" b="0" i="1" smtClean="0">
+                      <a:latin typeface="Cambria Math"/>
+                    </a:rPr>
+                    <m:t>𝑘</m:t>
+                  </m:r>
+                </m:oMath>
+              </a14:m>
+              <a:r>
+                <a:rPr lang="en-GB" sz="2000" dirty="0" smtClean="0"/>
+                <a:t> in terms of reducing the bias?”</a:t>
+              </a:r>
+              <a:endParaRPr lang="en-GB" sz="2000" dirty="0"/>
+            </a:p>
+          </dgm:t>
+        </dgm:pt>
+      </mc:Choice>
+      <mc:Fallback xmlns="">
+        <dgm:pt modelId="{E7F58FB7-75F6-4C37-84C4-7F362EFBF319}">
+          <dgm:prSet custT="1"/>
+          <dgm:spPr/>
+          <dgm:t>
+            <a:bodyPr anchor="ctr"/>
+            <a:lstStyle/>
+            <a:p>
+              <a:pPr algn="ctr" rtl="0"/>
+              <a:r>
+                <a:rPr lang="en-GB" sz="2000" dirty="0" smtClean="0"/>
+                <a:t>“What is the optimal value to choose for </a:t>
+              </a:r>
+              <a:r>
+                <a:rPr lang="en-GB" sz="2000" b="0" i="0" smtClean="0">
+                  <a:latin typeface="Cambria Math"/>
+                </a:rPr>
+                <a:t>𝑘</a:t>
+              </a:r>
+              <a:r>
+                <a:rPr lang="en-GB" sz="2000" dirty="0" smtClean="0"/>
+                <a:t> </a:t>
+              </a:r>
+              <a:r>
+                <a:rPr lang="en-GB" sz="2000" dirty="0" smtClean="0"/>
+                <a:t>in terms of reducing the bias?”</a:t>
+              </a:r>
+              <a:endParaRPr lang="en-GB" sz="2000" dirty="0"/>
+            </a:p>
+          </dgm:t>
+        </dgm:pt>
+      </mc:Fallback>
+    </mc:AlternateContent>
     <dgm:pt modelId="{8344A5D5-C5FA-45C3-B9D6-89D9FD01FF23}" type="parTrans" cxnId="{39BC4922-6C49-4479-AA91-EFD5756DF05A}">
       <dgm:prSet/>
       <dgm:spPr/>
@@ -3928,17 +3978,24 @@
     </dgm:pt>
     <dgm:pt modelId="{E7F58FB7-75F6-4C37-84C4-7F362EFBF319}">
       <dgm:prSet custT="1"/>
-      <dgm:spPr/>
+      <dgm:spPr>
+        <a:blipFill rotWithShape="1">
+          <a:blip xmlns:r="http://schemas.openxmlformats.org/officeDocument/2006/relationships" r:embed="rId1"/>
+          <a:stretch>
+            <a:fillRect l="-2070" r="-4141"/>
+          </a:stretch>
+        </a:blipFill>
+      </dgm:spPr>
       <dgm:t>
-        <a:bodyPr anchor="ctr"/>
+        <a:bodyPr/>
         <a:lstStyle/>
         <a:p>
-          <a:pPr algn="ctr" rtl="0"/>
           <a:r>
-            <a:rPr lang="en-GB" sz="2000" dirty="0" smtClean="0"/>
-            <a:t>“What is the optimal value to choose for k in terms of reducing the bias?”</a:t>
+            <a:rPr lang="en-GB">
+              <a:noFill/>
+            </a:rPr>
+            <a:t> </a:t>
           </a:r>
-          <a:endParaRPr lang="en-GB" sz="2000" dirty="0"/>
         </a:p>
       </dgm:t>
     </dgm:pt>
@@ -4044,7 +4101,7 @@
       <dgm:prSet custT="1"/>
       <dgm:spPr>
         <a:blipFill rotWithShape="1">
-          <a:blip xmlns:r="http://schemas.openxmlformats.org/officeDocument/2006/relationships" r:embed="rId1"/>
+          <a:blip xmlns:r="http://schemas.openxmlformats.org/officeDocument/2006/relationships" r:embed="rId2"/>
           <a:stretch>
             <a:fillRect/>
           </a:stretch>
@@ -4089,7 +4146,7 @@
       <dgm:prSet custT="1"/>
       <dgm:spPr>
         <a:blipFill rotWithShape="1">
-          <a:blip xmlns:r="http://schemas.openxmlformats.org/officeDocument/2006/relationships" r:embed="rId2"/>
+          <a:blip xmlns:r="http://schemas.openxmlformats.org/officeDocument/2006/relationships" r:embed="rId3"/>
           <a:stretch>
             <a:fillRect/>
           </a:stretch>
@@ -4355,17 +4412,17 @@
       </dgm:t>
     </dgm:pt>
     <dgm:pt modelId="{2B8AA24A-B503-4B0F-973F-38F01FB6B61E}">
-      <dgm:prSet phldrT="[Text]"/>
+      <dgm:prSet phldrT="[Text]" custT="1"/>
       <dgm:spPr/>
       <dgm:t>
         <a:bodyPr/>
         <a:lstStyle/>
         <a:p>
           <a:r>
-            <a:rPr lang="en-GB" dirty="0" smtClean="0"/>
+            <a:rPr lang="en-GB" sz="1800" dirty="0" smtClean="0"/>
             <a:t>Parameter Choices</a:t>
           </a:r>
-          <a:endParaRPr lang="en-GB" dirty="0"/>
+          <a:endParaRPr lang="en-GB" sz="1800" dirty="0"/>
         </a:p>
       </dgm:t>
     </dgm:pt>
@@ -4376,7 +4433,7 @@
         <a:bodyPr/>
         <a:lstStyle/>
         <a:p>
-          <a:endParaRPr lang="en-GB"/>
+          <a:endParaRPr lang="en-GB" sz="2400"/>
         </a:p>
       </dgm:t>
     </dgm:pt>
@@ -4387,26 +4444,26 @@
         <a:bodyPr/>
         <a:lstStyle/>
         <a:p>
-          <a:endParaRPr lang="en-GB"/>
+          <a:endParaRPr lang="en-GB" sz="2400"/>
         </a:p>
       </dgm:t>
     </dgm:pt>
     <dgm:pt modelId="{4557A6EE-BBE9-4096-85C4-BCA658288EBC}">
-      <dgm:prSet phldrT="[Text]"/>
+      <dgm:prSet phldrT="[Text]" custT="1"/>
       <dgm:spPr/>
       <dgm:t>
         <a:bodyPr/>
         <a:lstStyle/>
         <a:p>
           <a:r>
-            <a:rPr lang="en-GB" dirty="0" err="1" smtClean="0"/>
+            <a:rPr lang="en-GB" sz="1800" dirty="0" err="1" smtClean="0"/>
             <a:t>Dist</a:t>
           </a:r>
           <a:r>
-            <a:rPr lang="en-GB" baseline="30000" dirty="0" err="1" smtClean="0"/>
-            <a:t>n</a:t>
+            <a:rPr lang="en-GB" sz="1800" baseline="30000" dirty="0" err="1" smtClean="0"/>
+            <a:t>bn</a:t>
           </a:r>
-          <a:endParaRPr lang="en-GB" i="1" dirty="0"/>
+          <a:endParaRPr lang="en-GB" sz="1800" i="1" dirty="0"/>
         </a:p>
       </dgm:t>
     </dgm:pt>
@@ -4417,7 +4474,7 @@
         <a:bodyPr/>
         <a:lstStyle/>
         <a:p>
-          <a:endParaRPr lang="en-GB"/>
+          <a:endParaRPr lang="en-GB" sz="2400"/>
         </a:p>
       </dgm:t>
     </dgm:pt>
@@ -4428,22 +4485,22 @@
         <a:bodyPr/>
         <a:lstStyle/>
         <a:p>
-          <a:endParaRPr lang="en-GB"/>
+          <a:endParaRPr lang="en-GB" sz="2400"/>
         </a:p>
       </dgm:t>
     </dgm:pt>
     <dgm:pt modelId="{36BA95E7-3F8D-437E-97CC-813F0BD20FD6}">
-      <dgm:prSet phldrT="[Text]"/>
+      <dgm:prSet phldrT="[Text]" custT="1"/>
       <dgm:spPr/>
       <dgm:t>
         <a:bodyPr/>
         <a:lstStyle/>
         <a:p>
           <a:r>
-            <a:rPr lang="en-GB" i="1" dirty="0" smtClean="0"/>
+            <a:rPr lang="en-GB" sz="1800" i="1" dirty="0" smtClean="0"/>
             <a:t>k</a:t>
           </a:r>
-          <a:endParaRPr lang="en-GB" i="1" dirty="0"/>
+          <a:endParaRPr lang="en-GB" sz="1800" i="1" dirty="0"/>
         </a:p>
       </dgm:t>
     </dgm:pt>
@@ -4454,7 +4511,7 @@
         <a:bodyPr/>
         <a:lstStyle/>
         <a:p>
-          <a:endParaRPr lang="en-GB"/>
+          <a:endParaRPr lang="en-GB" sz="2400"/>
         </a:p>
       </dgm:t>
     </dgm:pt>
@@ -4465,22 +4522,29 @@
         <a:bodyPr/>
         <a:lstStyle/>
         <a:p>
-          <a:endParaRPr lang="en-GB"/>
+          <a:endParaRPr lang="en-GB" sz="2400"/>
         </a:p>
       </dgm:t>
     </dgm:pt>
     <dgm:pt modelId="{E0E79D18-9A8A-421F-938C-C323D6DAE29D}">
-      <dgm:prSet phldrT="[Text]"/>
+      <dgm:prSet phldrT="[Text]" custT="1"/>
       <dgm:spPr/>
       <dgm:t>
         <a:bodyPr/>
         <a:lstStyle/>
         <a:p>
           <a:r>
-            <a:rPr lang="en-GB" dirty="0" smtClean="0"/>
-            <a:t>MVT</a:t>
+            <a:rPr lang="en-GB" sz="1800" dirty="0" smtClean="0"/>
+            <a:t>Law of Large </a:t>
           </a:r>
-          <a:endParaRPr lang="en-GB" dirty="0"/>
+          <a:br>
+            <a:rPr lang="en-GB" sz="1800" dirty="0" smtClean="0"/>
+          </a:br>
+          <a:r>
+            <a:rPr lang="en-GB" sz="1800" dirty="0" smtClean="0"/>
+            <a:t>Numbers</a:t>
+          </a:r>
+          <a:endParaRPr lang="en-GB" sz="1800" dirty="0"/>
         </a:p>
       </dgm:t>
     </dgm:pt>
@@ -4491,7 +4555,7 @@
         <a:bodyPr/>
         <a:lstStyle/>
         <a:p>
-          <a:endParaRPr lang="en-GB"/>
+          <a:endParaRPr lang="en-GB" sz="2400"/>
         </a:p>
       </dgm:t>
     </dgm:pt>
@@ -4502,29 +4566,29 @@
         <a:bodyPr/>
         <a:lstStyle/>
         <a:p>
-          <a:endParaRPr lang="en-GB"/>
+          <a:endParaRPr lang="en-GB" sz="2400"/>
         </a:p>
       </dgm:t>
     </dgm:pt>
     <dgm:pt modelId="{F6B7C396-722E-4FD1-BC3D-6432DFE7C40A}">
-      <dgm:prSet phldrT="[Text]"/>
+      <dgm:prSet phldrT="[Text]" custT="1"/>
       <dgm:spPr/>
       <dgm:t>
         <a:bodyPr/>
         <a:lstStyle/>
         <a:p>
           <a:r>
-            <a:rPr lang="en-GB" dirty="0" smtClean="0"/>
+            <a:rPr lang="en-GB" sz="1800" dirty="0" smtClean="0"/>
             <a:t>500 times</a:t>
           </a:r>
           <a:br>
-            <a:rPr lang="en-GB" dirty="0" smtClean="0"/>
+            <a:rPr lang="en-GB" sz="1800" dirty="0" smtClean="0"/>
           </a:br>
           <a:r>
-            <a:rPr lang="en-GB" dirty="0" smtClean="0"/>
+            <a:rPr lang="en-GB" sz="1800" dirty="0" smtClean="0"/>
             <a:t>(Find estimator each time)</a:t>
           </a:r>
-          <a:endParaRPr lang="en-GB" dirty="0"/>
+          <a:endParaRPr lang="en-GB" sz="1800" dirty="0"/>
         </a:p>
       </dgm:t>
     </dgm:pt>
@@ -4535,7 +4599,7 @@
         <a:bodyPr/>
         <a:lstStyle/>
         <a:p>
-          <a:endParaRPr lang="en-GB"/>
+          <a:endParaRPr lang="en-GB" sz="2400"/>
         </a:p>
       </dgm:t>
     </dgm:pt>
@@ -4546,22 +4610,22 @@
         <a:bodyPr/>
         <a:lstStyle/>
         <a:p>
-          <a:endParaRPr lang="en-GB"/>
+          <a:endParaRPr lang="en-GB" sz="2400"/>
         </a:p>
       </dgm:t>
     </dgm:pt>
     <dgm:pt modelId="{D395405C-F33C-4044-B48C-3A08564FCE18}">
-      <dgm:prSet phldrT="[Text]"/>
+      <dgm:prSet phldrT="[Text]" custT="1"/>
       <dgm:spPr/>
       <dgm:t>
         <a:bodyPr/>
         <a:lstStyle/>
         <a:p>
           <a:r>
-            <a:rPr lang="en-GB" dirty="0" smtClean="0"/>
+            <a:rPr lang="en-GB" sz="1800" dirty="0" smtClean="0"/>
             <a:t>Result</a:t>
           </a:r>
-          <a:endParaRPr lang="en-GB" dirty="0"/>
+          <a:endParaRPr lang="en-GB" sz="1800" dirty="0"/>
         </a:p>
       </dgm:t>
     </dgm:pt>
@@ -4572,7 +4636,7 @@
         <a:bodyPr/>
         <a:lstStyle/>
         <a:p>
-          <a:endParaRPr lang="en-GB"/>
+          <a:endParaRPr lang="en-GB" sz="2400"/>
         </a:p>
       </dgm:t>
     </dgm:pt>
@@ -4583,14 +4647,14 @@
         <a:bodyPr/>
         <a:lstStyle/>
         <a:p>
-          <a:endParaRPr lang="en-GB"/>
+          <a:endParaRPr lang="en-GB" sz="2400"/>
         </a:p>
       </dgm:t>
     </dgm:pt>
     <mc:AlternateContent xmlns:mc="http://schemas.openxmlformats.org/markup-compatibility/2006" xmlns:a14="http://schemas.microsoft.com/office/drawing/2010/main">
       <mc:Choice Requires="a14">
         <dgm:pt modelId="{F22E8860-E93F-48EA-B7DE-70E1F2BE88E5}">
-          <dgm:prSet phldrT="[Text]"/>
+          <dgm:prSet phldrT="[Text]" custT="1"/>
           <dgm:spPr/>
           <dgm:t>
             <a:bodyPr/>
@@ -4601,7 +4665,7 @@
                   <m:sSub>
                     <m:sSubPr>
                       <m:ctrlPr>
-                        <a:rPr lang="en-GB" i="1" smtClean="0">
+                        <a:rPr lang="en-GB" sz="1800" i="1" smtClean="0">
                           <a:latin typeface="Cambria Math"/>
                         </a:rPr>
                       </m:ctrlPr>
@@ -4611,14 +4675,14 @@
                         <m:accPr>
                           <m:chr m:val="̂"/>
                           <m:ctrlPr>
-                            <a:rPr lang="en-GB" i="1">
+                            <a:rPr lang="en-GB" sz="1800" i="1">
                               <a:latin typeface="Cambria Math"/>
                             </a:rPr>
                           </m:ctrlPr>
                         </m:accPr>
                         <m:e>
                           <m:r>
-                            <a:rPr lang="en-GB" i="1">
+                            <a:rPr lang="en-GB" sz="1800" i="1">
                               <a:latin typeface="Cambria Math"/>
                             </a:rPr>
                             <m:t>𝐻</m:t>
@@ -4628,19 +4692,19 @@
                     </m:e>
                     <m:sub>
                       <m:r>
-                        <a:rPr lang="en-GB" i="1">
+                        <a:rPr lang="en-GB" sz="1800" i="1">
                           <a:latin typeface="Cambria Math"/>
                         </a:rPr>
                         <m:t>𝑁</m:t>
                       </m:r>
                       <m:r>
-                        <a:rPr lang="en-GB" i="1">
+                        <a:rPr lang="en-GB" sz="1800" i="1">
                           <a:latin typeface="Cambria Math"/>
                         </a:rPr>
                         <m:t>,</m:t>
                       </m:r>
                       <m:r>
-                        <a:rPr lang="en-GB" i="1">
+                        <a:rPr lang="en-GB" sz="1800" i="1">
                           <a:latin typeface="Cambria Math"/>
                         </a:rPr>
                         <m:t>𝑘</m:t>
@@ -4650,63 +4714,59 @@
                 </m:oMath>
               </a14:m>
               <a:r>
-                <a:rPr lang="en-GB" dirty="0" smtClean="0"/>
+                <a:rPr lang="en-GB" sz="1800" dirty="0" smtClean="0"/>
                 <a:t> Estimators of Entropy for each </a:t>
               </a:r>
               <a:r>
-                <a:rPr lang="en-GB" i="1" dirty="0" smtClean="0"/>
+                <a:rPr lang="en-GB" sz="1800" i="1" dirty="0" smtClean="0"/>
                 <a:t>N</a:t>
               </a:r>
-              <a:endParaRPr lang="en-GB" dirty="0"/>
+              <a:endParaRPr lang="en-GB" sz="1800" dirty="0"/>
             </a:p>
           </dgm:t>
         </dgm:pt>
       </mc:Choice>
       <mc:Fallback xmlns="">
         <dgm:pt modelId="{F22E8860-E93F-48EA-B7DE-70E1F2BE88E5}">
-          <dgm:prSet phldrT="[Text]"/>
+          <dgm:prSet phldrT="[Text]" custT="1"/>
           <dgm:spPr/>
           <dgm:t>
             <a:bodyPr/>
             <a:lstStyle/>
             <a:p>
               <a:r>
-                <a:rPr lang="en-GB" i="0">
+                <a:rPr lang="en-GB" sz="1800" i="0">
                   <a:latin typeface="Cambria Math"/>
                 </a:rPr>
                 <a:t>𝐻 ̂</a:t>
               </a:r>
               <a:r>
-                <a:rPr lang="en-GB" i="0" smtClean="0">
+                <a:rPr lang="en-GB" sz="1800" i="0" smtClean="0">
                   <a:latin typeface="Cambria Math"/>
                 </a:rPr>
                 <a:t>_(</a:t>
               </a:r>
               <a:r>
-                <a:rPr lang="en-GB" i="0">
+                <a:rPr lang="en-GB" sz="1800" i="0">
                   <a:latin typeface="Cambria Math"/>
                 </a:rPr>
                 <a:t>𝑁,𝑘</a:t>
               </a:r>
               <a:r>
-                <a:rPr lang="en-GB" i="0" smtClean="0">
+                <a:rPr lang="en-GB" sz="1800" i="0" smtClean="0">
                   <a:latin typeface="Cambria Math"/>
                 </a:rPr>
                 <a:t>)</a:t>
               </a:r>
               <a:r>
-                <a:rPr lang="en-GB" dirty="0" smtClean="0"/>
-                <a:t> </a:t>
+                <a:rPr lang="en-GB" sz="1800" dirty="0" smtClean="0"/>
+                <a:t> Estimators of Entropy for each </a:t>
               </a:r>
               <a:r>
-                <a:rPr lang="en-GB" dirty="0" smtClean="0"/>
-                <a:t>Estimators of Entropy for each </a:t>
-              </a:r>
-              <a:r>
-                <a:rPr lang="en-GB" i="1" dirty="0" smtClean="0"/>
+                <a:rPr lang="en-GB" sz="1800" i="1" dirty="0" smtClean="0"/>
                 <a:t>N</a:t>
               </a:r>
-              <a:endParaRPr lang="en-GB" dirty="0"/>
+              <a:endParaRPr lang="en-GB" sz="1800" dirty="0"/>
             </a:p>
           </dgm:t>
         </dgm:pt>
@@ -4719,7 +4779,7 @@
         <a:bodyPr/>
         <a:lstStyle/>
         <a:p>
-          <a:endParaRPr lang="en-GB"/>
+          <a:endParaRPr lang="en-GB" sz="2400"/>
         </a:p>
       </dgm:t>
     </dgm:pt>
@@ -4730,22 +4790,22 @@
         <a:bodyPr/>
         <a:lstStyle/>
         <a:p>
-          <a:endParaRPr lang="en-GB"/>
+          <a:endParaRPr lang="en-GB" sz="2400"/>
         </a:p>
       </dgm:t>
     </dgm:pt>
     <dgm:pt modelId="{68E8F541-CB38-46A8-A5C3-9EEE3D2B99E4}">
-      <dgm:prSet phldrT="[Text]"/>
+      <dgm:prSet phldrT="[Text]" custT="1"/>
       <dgm:spPr/>
       <dgm:t>
         <a:bodyPr/>
         <a:lstStyle/>
         <a:p>
           <a:r>
-            <a:rPr lang="en-GB" i="1" smtClean="0"/>
+            <a:rPr lang="en-GB" sz="1800" i="1" smtClean="0"/>
             <a:t>N</a:t>
           </a:r>
-          <a:endParaRPr lang="en-GB" i="1" dirty="0"/>
+          <a:endParaRPr lang="en-GB" sz="1800" i="1" dirty="0"/>
         </a:p>
       </dgm:t>
     </dgm:pt>
@@ -4756,7 +4816,7 @@
         <a:bodyPr/>
         <a:lstStyle/>
         <a:p>
-          <a:endParaRPr lang="en-GB"/>
+          <a:endParaRPr lang="en-GB" sz="2400"/>
         </a:p>
       </dgm:t>
     </dgm:pt>
@@ -4767,7 +4827,7 @@
         <a:bodyPr/>
         <a:lstStyle/>
         <a:p>
-          <a:endParaRPr lang="en-GB"/>
+          <a:endParaRPr lang="en-GB" sz="2400"/>
         </a:p>
       </dgm:t>
     </dgm:pt>
@@ -4876,7 +4936,7 @@
       <dgm:spPr/>
     </dgm:pt>
     <dgm:pt modelId="{88A5E770-C45F-4E6A-A41C-F7BF78BCDD2C}" type="pres">
-      <dgm:prSet presAssocID="{4557A6EE-BBE9-4096-85C4-BCA658288EBC}" presName="childText1_1" presStyleLbl="vennNode1" presStyleIdx="1" presStyleCnt="7">
+      <dgm:prSet presAssocID="{4557A6EE-BBE9-4096-85C4-BCA658288EBC}" presName="childText1_1" presStyleLbl="vennNode1" presStyleIdx="1" presStyleCnt="7" custScaleX="124717" custScaleY="114984">
         <dgm:presLayoutVars>
           <dgm:chMax val="0"/>
           <dgm:chPref val="0"/>
@@ -5032,17 +5092,17 @@
       </dgm:t>
     </dgm:pt>
     <dgm:pt modelId="{2B8AA24A-B503-4B0F-973F-38F01FB6B61E}">
-      <dgm:prSet phldrT="[Text]"/>
+      <dgm:prSet phldrT="[Text]" custT="1"/>
       <dgm:spPr/>
       <dgm:t>
         <a:bodyPr/>
         <a:lstStyle/>
         <a:p>
           <a:r>
-            <a:rPr lang="en-GB" dirty="0" smtClean="0"/>
+            <a:rPr lang="en-GB" sz="1800" dirty="0" smtClean="0"/>
             <a:t>Parameter Choices</a:t>
           </a:r>
-          <a:endParaRPr lang="en-GB" dirty="0"/>
+          <a:endParaRPr lang="en-GB" sz="1800" dirty="0"/>
         </a:p>
       </dgm:t>
     </dgm:pt>
@@ -5053,7 +5113,7 @@
         <a:bodyPr/>
         <a:lstStyle/>
         <a:p>
-          <a:endParaRPr lang="en-GB"/>
+          <a:endParaRPr lang="en-GB" sz="2400"/>
         </a:p>
       </dgm:t>
     </dgm:pt>
@@ -5064,26 +5124,26 @@
         <a:bodyPr/>
         <a:lstStyle/>
         <a:p>
-          <a:endParaRPr lang="en-GB"/>
+          <a:endParaRPr lang="en-GB" sz="2400"/>
         </a:p>
       </dgm:t>
     </dgm:pt>
     <dgm:pt modelId="{4557A6EE-BBE9-4096-85C4-BCA658288EBC}">
-      <dgm:prSet phldrT="[Text]"/>
+      <dgm:prSet phldrT="[Text]" custT="1"/>
       <dgm:spPr/>
       <dgm:t>
         <a:bodyPr/>
         <a:lstStyle/>
         <a:p>
           <a:r>
-            <a:rPr lang="en-GB" dirty="0" err="1" smtClean="0"/>
+            <a:rPr lang="en-GB" sz="1800" dirty="0" err="1" smtClean="0"/>
             <a:t>Dist</a:t>
           </a:r>
           <a:r>
-            <a:rPr lang="en-GB" baseline="30000" dirty="0" err="1" smtClean="0"/>
-            <a:t>n</a:t>
+            <a:rPr lang="en-GB" sz="1800" baseline="30000" dirty="0" err="1" smtClean="0"/>
+            <a:t>bn</a:t>
           </a:r>
-          <a:endParaRPr lang="en-GB" i="1" dirty="0"/>
+          <a:endParaRPr lang="en-GB" sz="1800" i="1" dirty="0"/>
         </a:p>
       </dgm:t>
     </dgm:pt>
@@ -5094,7 +5154,7 @@
         <a:bodyPr/>
         <a:lstStyle/>
         <a:p>
-          <a:endParaRPr lang="en-GB"/>
+          <a:endParaRPr lang="en-GB" sz="2400"/>
         </a:p>
       </dgm:t>
     </dgm:pt>
@@ -5105,22 +5165,22 @@
         <a:bodyPr/>
         <a:lstStyle/>
         <a:p>
-          <a:endParaRPr lang="en-GB"/>
+          <a:endParaRPr lang="en-GB" sz="2400"/>
         </a:p>
       </dgm:t>
     </dgm:pt>
     <dgm:pt modelId="{36BA95E7-3F8D-437E-97CC-813F0BD20FD6}">
-      <dgm:prSet phldrT="[Text]"/>
+      <dgm:prSet phldrT="[Text]" custT="1"/>
       <dgm:spPr/>
       <dgm:t>
         <a:bodyPr/>
         <a:lstStyle/>
         <a:p>
           <a:r>
-            <a:rPr lang="en-GB" i="1" dirty="0" smtClean="0"/>
+            <a:rPr lang="en-GB" sz="1800" i="1" dirty="0" smtClean="0"/>
             <a:t>k</a:t>
           </a:r>
-          <a:endParaRPr lang="en-GB" i="1" dirty="0"/>
+          <a:endParaRPr lang="en-GB" sz="1800" i="1" dirty="0"/>
         </a:p>
       </dgm:t>
     </dgm:pt>
@@ -5131,7 +5191,7 @@
         <a:bodyPr/>
         <a:lstStyle/>
         <a:p>
-          <a:endParaRPr lang="en-GB"/>
+          <a:endParaRPr lang="en-GB" sz="2400"/>
         </a:p>
       </dgm:t>
     </dgm:pt>
@@ -5142,22 +5202,29 @@
         <a:bodyPr/>
         <a:lstStyle/>
         <a:p>
-          <a:endParaRPr lang="en-GB"/>
+          <a:endParaRPr lang="en-GB" sz="2400"/>
         </a:p>
       </dgm:t>
     </dgm:pt>
     <dgm:pt modelId="{E0E79D18-9A8A-421F-938C-C323D6DAE29D}">
-      <dgm:prSet phldrT="[Text]"/>
+      <dgm:prSet phldrT="[Text]" custT="1"/>
       <dgm:spPr/>
       <dgm:t>
         <a:bodyPr/>
         <a:lstStyle/>
         <a:p>
           <a:r>
-            <a:rPr lang="en-GB" dirty="0" smtClean="0"/>
-            <a:t>MVT</a:t>
+            <a:rPr lang="en-GB" sz="1800" dirty="0" smtClean="0"/>
+            <a:t>Law of Large </a:t>
           </a:r>
-          <a:endParaRPr lang="en-GB" dirty="0"/>
+          <a:br>
+            <a:rPr lang="en-GB" sz="1800" dirty="0" smtClean="0"/>
+          </a:br>
+          <a:r>
+            <a:rPr lang="en-GB" sz="1800" dirty="0" smtClean="0"/>
+            <a:t>Numbers</a:t>
+          </a:r>
+          <a:endParaRPr lang="en-GB" sz="1800" dirty="0"/>
         </a:p>
       </dgm:t>
     </dgm:pt>
@@ -5168,7 +5235,7 @@
         <a:bodyPr/>
         <a:lstStyle/>
         <a:p>
-          <a:endParaRPr lang="en-GB"/>
+          <a:endParaRPr lang="en-GB" sz="2400"/>
         </a:p>
       </dgm:t>
     </dgm:pt>
@@ -5179,29 +5246,29 @@
         <a:bodyPr/>
         <a:lstStyle/>
         <a:p>
-          <a:endParaRPr lang="en-GB"/>
+          <a:endParaRPr lang="en-GB" sz="2400"/>
         </a:p>
       </dgm:t>
     </dgm:pt>
     <dgm:pt modelId="{F6B7C396-722E-4FD1-BC3D-6432DFE7C40A}">
-      <dgm:prSet phldrT="[Text]"/>
+      <dgm:prSet phldrT="[Text]" custT="1"/>
       <dgm:spPr/>
       <dgm:t>
         <a:bodyPr/>
         <a:lstStyle/>
         <a:p>
           <a:r>
-            <a:rPr lang="en-GB" dirty="0" smtClean="0"/>
+            <a:rPr lang="en-GB" sz="1800" dirty="0" smtClean="0"/>
             <a:t>500 times</a:t>
           </a:r>
           <a:br>
-            <a:rPr lang="en-GB" dirty="0" smtClean="0"/>
+            <a:rPr lang="en-GB" sz="1800" dirty="0" smtClean="0"/>
           </a:br>
           <a:r>
-            <a:rPr lang="en-GB" dirty="0" smtClean="0"/>
+            <a:rPr lang="en-GB" sz="1800" dirty="0" smtClean="0"/>
             <a:t>(Find estimator each time)</a:t>
           </a:r>
-          <a:endParaRPr lang="en-GB" dirty="0"/>
+          <a:endParaRPr lang="en-GB" sz="1800" dirty="0"/>
         </a:p>
       </dgm:t>
     </dgm:pt>
@@ -5212,7 +5279,7 @@
         <a:bodyPr/>
         <a:lstStyle/>
         <a:p>
-          <a:endParaRPr lang="en-GB"/>
+          <a:endParaRPr lang="en-GB" sz="2400"/>
         </a:p>
       </dgm:t>
     </dgm:pt>
@@ -5223,22 +5290,22 @@
         <a:bodyPr/>
         <a:lstStyle/>
         <a:p>
-          <a:endParaRPr lang="en-GB"/>
+          <a:endParaRPr lang="en-GB" sz="2400"/>
         </a:p>
       </dgm:t>
     </dgm:pt>
     <dgm:pt modelId="{D395405C-F33C-4044-B48C-3A08564FCE18}">
-      <dgm:prSet phldrT="[Text]"/>
+      <dgm:prSet phldrT="[Text]" custT="1"/>
       <dgm:spPr/>
       <dgm:t>
         <a:bodyPr/>
         <a:lstStyle/>
         <a:p>
           <a:r>
-            <a:rPr lang="en-GB" dirty="0" smtClean="0"/>
+            <a:rPr lang="en-GB" sz="1800" dirty="0" smtClean="0"/>
             <a:t>Result</a:t>
           </a:r>
-          <a:endParaRPr lang="en-GB" dirty="0"/>
+          <a:endParaRPr lang="en-GB" sz="1800" dirty="0"/>
         </a:p>
       </dgm:t>
     </dgm:pt>
@@ -5249,7 +5316,7 @@
         <a:bodyPr/>
         <a:lstStyle/>
         <a:p>
-          <a:endParaRPr lang="en-GB"/>
+          <a:endParaRPr lang="en-GB" sz="2400"/>
         </a:p>
       </dgm:t>
     </dgm:pt>
@@ -5260,12 +5327,12 @@
         <a:bodyPr/>
         <a:lstStyle/>
         <a:p>
-          <a:endParaRPr lang="en-GB"/>
+          <a:endParaRPr lang="en-GB" sz="2400"/>
         </a:p>
       </dgm:t>
     </dgm:pt>
     <dgm:pt modelId="{F22E8860-E93F-48EA-B7DE-70E1F2BE88E5}">
-      <dgm:prSet phldrT="[Text]"/>
+      <dgm:prSet phldrT="[Text]" custT="1"/>
       <dgm:spPr>
         <a:blipFill rotWithShape="1">
           <a:blip xmlns:r="http://schemas.openxmlformats.org/officeDocument/2006/relationships" r:embed="rId1"/>
@@ -5294,7 +5361,7 @@
         <a:bodyPr/>
         <a:lstStyle/>
         <a:p>
-          <a:endParaRPr lang="en-GB"/>
+          <a:endParaRPr lang="en-GB" sz="2400"/>
         </a:p>
       </dgm:t>
     </dgm:pt>
@@ -5305,22 +5372,22 @@
         <a:bodyPr/>
         <a:lstStyle/>
         <a:p>
-          <a:endParaRPr lang="en-GB"/>
+          <a:endParaRPr lang="en-GB" sz="2400"/>
         </a:p>
       </dgm:t>
     </dgm:pt>
     <dgm:pt modelId="{68E8F541-CB38-46A8-A5C3-9EEE3D2B99E4}">
-      <dgm:prSet phldrT="[Text]"/>
+      <dgm:prSet phldrT="[Text]" custT="1"/>
       <dgm:spPr/>
       <dgm:t>
         <a:bodyPr/>
         <a:lstStyle/>
         <a:p>
           <a:r>
-            <a:rPr lang="en-GB" i="1" smtClean="0"/>
+            <a:rPr lang="en-GB" sz="1800" i="1" smtClean="0"/>
             <a:t>N</a:t>
           </a:r>
-          <a:endParaRPr lang="en-GB" i="1" dirty="0"/>
+          <a:endParaRPr lang="en-GB" sz="1800" i="1" dirty="0"/>
         </a:p>
       </dgm:t>
     </dgm:pt>
@@ -5331,7 +5398,7 @@
         <a:bodyPr/>
         <a:lstStyle/>
         <a:p>
-          <a:endParaRPr lang="en-GB"/>
+          <a:endParaRPr lang="en-GB" sz="2400"/>
         </a:p>
       </dgm:t>
     </dgm:pt>
@@ -5342,7 +5409,7 @@
         <a:bodyPr/>
         <a:lstStyle/>
         <a:p>
-          <a:endParaRPr lang="en-GB"/>
+          <a:endParaRPr lang="en-GB" sz="2400"/>
         </a:p>
       </dgm:t>
     </dgm:pt>
@@ -5451,7 +5518,7 @@
       <dgm:spPr/>
     </dgm:pt>
     <dgm:pt modelId="{88A5E770-C45F-4E6A-A41C-F7BF78BCDD2C}" type="pres">
-      <dgm:prSet presAssocID="{4557A6EE-BBE9-4096-85C4-BCA658288EBC}" presName="childText1_1" presStyleLbl="vennNode1" presStyleIdx="1" presStyleCnt="7">
+      <dgm:prSet presAssocID="{4557A6EE-BBE9-4096-85C4-BCA658288EBC}" presName="childText1_1" presStyleLbl="vennNode1" presStyleIdx="1" presStyleCnt="7" custScaleX="124717" custScaleY="114984">
         <dgm:presLayoutVars>
           <dgm:chMax val="0"/>
           <dgm:chPref val="0"/>
@@ -5545,24 +5612,24 @@
     </dgm:pt>
   </dgm:ptLst>
   <dgm:cxnLst>
+    <dgm:cxn modelId="{E5741CDD-456F-430D-AD43-6999D28DE1CA}" type="presOf" srcId="{F22E8860-E93F-48EA-B7DE-70E1F2BE88E5}" destId="{C8F8EAAB-B17C-4F7B-A045-1EE624BE259D}" srcOrd="0" destOrd="0" presId="urn:microsoft.com/office/officeart/2009/3/layout/PhasedProcess"/>
+    <dgm:cxn modelId="{8A06B39D-27DD-4FA1-8476-96A334CD80DA}" type="presOf" srcId="{801A647E-E1C7-4358-9FF9-784EF3AAC4B4}" destId="{1330CEE4-1DFA-41C8-A52A-3E3CF1DADEF4}" srcOrd="0" destOrd="0" presId="urn:microsoft.com/office/officeart/2009/3/layout/PhasedProcess"/>
+    <dgm:cxn modelId="{09B6FCCB-ED1D-4F1D-A60A-9270C5590E66}" type="presOf" srcId="{F6B7C396-722E-4FD1-BC3D-6432DFE7C40A}" destId="{38983C67-9840-4DE4-AF08-D5E14CEAE454}" srcOrd="1" destOrd="0" presId="urn:microsoft.com/office/officeart/2009/3/layout/PhasedProcess"/>
+    <dgm:cxn modelId="{0E188FBB-5D32-41FB-AE95-960A57F8C044}" srcId="{E0E79D18-9A8A-421F-938C-C323D6DAE29D}" destId="{F6B7C396-722E-4FD1-BC3D-6432DFE7C40A}" srcOrd="0" destOrd="0" parTransId="{2D9DEFB0-A3D1-4F2C-9EA0-83A33CDE50A6}" sibTransId="{E109BE69-EB3D-4624-8C90-14BCE489B287}"/>
+    <dgm:cxn modelId="{BE87DBE5-BE92-4A3F-8F7F-3EDC2AEC987E}" srcId="{2B8AA24A-B503-4B0F-973F-38F01FB6B61E}" destId="{68E8F541-CB38-46A8-A5C3-9EEE3D2B99E4}" srcOrd="1" destOrd="0" parTransId="{244665D7-2481-445E-9327-E92C88571AEF}" sibTransId="{B3DF93F0-43FD-435B-BF11-CA397FD2C2D8}"/>
+    <dgm:cxn modelId="{2DDBC949-CB6C-45B3-BBCA-88F23588EDAD}" srcId="{2B8AA24A-B503-4B0F-973F-38F01FB6B61E}" destId="{36BA95E7-3F8D-437E-97CC-813F0BD20FD6}" srcOrd="2" destOrd="0" parTransId="{B3AC3B48-6726-452D-A783-75D44D26F43F}" sibTransId="{2ED29A83-4164-462B-AEAF-4B3C152C6502}"/>
+    <dgm:cxn modelId="{A09434FE-4E48-45F9-87B9-1A6D214CAC04}" srcId="{801A647E-E1C7-4358-9FF9-784EF3AAC4B4}" destId="{D395405C-F33C-4044-B48C-3A08564FCE18}" srcOrd="2" destOrd="0" parTransId="{B1A90735-E32A-4EFF-B07E-BC5A3B5DABED}" sibTransId="{30931B14-B7A5-480B-ACF0-14B7928268A2}"/>
+    <dgm:cxn modelId="{84D56D38-E9F3-48EA-B47A-4410AE3F5D5E}" type="presOf" srcId="{4557A6EE-BBE9-4096-85C4-BCA658288EBC}" destId="{88A5E770-C45F-4E6A-A41C-F7BF78BCDD2C}" srcOrd="0" destOrd="0" presId="urn:microsoft.com/office/officeart/2009/3/layout/PhasedProcess"/>
+    <dgm:cxn modelId="{83356547-AD10-4FAE-8F52-121E384AF7B6}" type="presOf" srcId="{F6B7C396-722E-4FD1-BC3D-6432DFE7C40A}" destId="{8FDF91CC-66A6-4E6B-A459-9911402D6D2A}" srcOrd="0" destOrd="0" presId="urn:microsoft.com/office/officeart/2009/3/layout/PhasedProcess"/>
+    <dgm:cxn modelId="{97EB01D1-A69D-4CF0-983B-6EDB01778FD7}" type="presOf" srcId="{36BA95E7-3F8D-437E-97CC-813F0BD20FD6}" destId="{422C6CD1-2329-42B6-B750-3CAC4CE40363}" srcOrd="0" destOrd="0" presId="urn:microsoft.com/office/officeart/2009/3/layout/PhasedProcess"/>
+    <dgm:cxn modelId="{89AB1A98-ED12-4597-9717-D657CB39D527}" type="presOf" srcId="{E0E79D18-9A8A-421F-938C-C323D6DAE29D}" destId="{C53AD499-1793-423E-8436-4C51C88A54B7}" srcOrd="0" destOrd="0" presId="urn:microsoft.com/office/officeart/2009/3/layout/PhasedProcess"/>
+    <dgm:cxn modelId="{975E8F4E-0B2D-4B26-8912-A3BF49F669DB}" srcId="{D395405C-F33C-4044-B48C-3A08564FCE18}" destId="{F22E8860-E93F-48EA-B7DE-70E1F2BE88E5}" srcOrd="0" destOrd="0" parTransId="{9ECA8B34-9FD9-4066-B35C-C3184049ACB2}" sibTransId="{B83DA6C5-431F-4D83-8302-B2F685F370AA}"/>
+    <dgm:cxn modelId="{CCDE010A-1951-4C83-BBF6-D535340BBF09}" type="presOf" srcId="{D395405C-F33C-4044-B48C-3A08564FCE18}" destId="{DF44FFA7-C162-4DF8-A046-08155422E55C}" srcOrd="0" destOrd="0" presId="urn:microsoft.com/office/officeart/2009/3/layout/PhasedProcess"/>
+    <dgm:cxn modelId="{5BD74E3F-BCD2-4DEC-B7EA-3A5FF3ABEE08}" srcId="{801A647E-E1C7-4358-9FF9-784EF3AAC4B4}" destId="{2B8AA24A-B503-4B0F-973F-38F01FB6B61E}" srcOrd="0" destOrd="0" parTransId="{B5E539E3-101C-4FCB-9A78-D3FD70CC462C}" sibTransId="{3851D02A-328A-46A8-82FF-4D75423C97F5}"/>
+    <dgm:cxn modelId="{0D5429BE-66BB-4BFB-A398-2EAB52BBA6A1}" type="presOf" srcId="{2B8AA24A-B503-4B0F-973F-38F01FB6B61E}" destId="{E14CBA68-BA94-408E-A0E1-CC3CA196564F}" srcOrd="0" destOrd="0" presId="urn:microsoft.com/office/officeart/2009/3/layout/PhasedProcess"/>
+    <dgm:cxn modelId="{25C64C7E-7D63-4D72-964A-93F268BAE641}" srcId="{2B8AA24A-B503-4B0F-973F-38F01FB6B61E}" destId="{4557A6EE-BBE9-4096-85C4-BCA658288EBC}" srcOrd="0" destOrd="0" parTransId="{1E99834F-0231-4E94-A153-70DD327B48D9}" sibTransId="{502418DF-9818-443E-9D1F-CE09556403B6}"/>
     <dgm:cxn modelId="{4F654E50-72CD-4D9F-B8B8-2A7680D9EC80}" type="presOf" srcId="{68E8F541-CB38-46A8-A5C3-9EEE3D2B99E4}" destId="{B0F9AE67-66C0-4B02-99B0-FD51C071E94E}" srcOrd="0" destOrd="0" presId="urn:microsoft.com/office/officeart/2009/3/layout/PhasedProcess"/>
-    <dgm:cxn modelId="{BE87DBE5-BE92-4A3F-8F7F-3EDC2AEC987E}" srcId="{2B8AA24A-B503-4B0F-973F-38F01FB6B61E}" destId="{68E8F541-CB38-46A8-A5C3-9EEE3D2B99E4}" srcOrd="1" destOrd="0" parTransId="{244665D7-2481-445E-9327-E92C88571AEF}" sibTransId="{B3DF93F0-43FD-435B-BF11-CA397FD2C2D8}"/>
-    <dgm:cxn modelId="{25C64C7E-7D63-4D72-964A-93F268BAE641}" srcId="{2B8AA24A-B503-4B0F-973F-38F01FB6B61E}" destId="{4557A6EE-BBE9-4096-85C4-BCA658288EBC}" srcOrd="0" destOrd="0" parTransId="{1E99834F-0231-4E94-A153-70DD327B48D9}" sibTransId="{502418DF-9818-443E-9D1F-CE09556403B6}"/>
-    <dgm:cxn modelId="{0D5429BE-66BB-4BFB-A398-2EAB52BBA6A1}" type="presOf" srcId="{2B8AA24A-B503-4B0F-973F-38F01FB6B61E}" destId="{E14CBA68-BA94-408E-A0E1-CC3CA196564F}" srcOrd="0" destOrd="0" presId="urn:microsoft.com/office/officeart/2009/3/layout/PhasedProcess"/>
-    <dgm:cxn modelId="{83356547-AD10-4FAE-8F52-121E384AF7B6}" type="presOf" srcId="{F6B7C396-722E-4FD1-BC3D-6432DFE7C40A}" destId="{8FDF91CC-66A6-4E6B-A459-9911402D6D2A}" srcOrd="0" destOrd="0" presId="urn:microsoft.com/office/officeart/2009/3/layout/PhasedProcess"/>
-    <dgm:cxn modelId="{CCDE010A-1951-4C83-BBF6-D535340BBF09}" type="presOf" srcId="{D395405C-F33C-4044-B48C-3A08564FCE18}" destId="{DF44FFA7-C162-4DF8-A046-08155422E55C}" srcOrd="0" destOrd="0" presId="urn:microsoft.com/office/officeart/2009/3/layout/PhasedProcess"/>
-    <dgm:cxn modelId="{0E188FBB-5D32-41FB-AE95-960A57F8C044}" srcId="{E0E79D18-9A8A-421F-938C-C323D6DAE29D}" destId="{F6B7C396-722E-4FD1-BC3D-6432DFE7C40A}" srcOrd="0" destOrd="0" parTransId="{2D9DEFB0-A3D1-4F2C-9EA0-83A33CDE50A6}" sibTransId="{E109BE69-EB3D-4624-8C90-14BCE489B287}"/>
-    <dgm:cxn modelId="{A09434FE-4E48-45F9-87B9-1A6D214CAC04}" srcId="{801A647E-E1C7-4358-9FF9-784EF3AAC4B4}" destId="{D395405C-F33C-4044-B48C-3A08564FCE18}" srcOrd="2" destOrd="0" parTransId="{B1A90735-E32A-4EFF-B07E-BC5A3B5DABED}" sibTransId="{30931B14-B7A5-480B-ACF0-14B7928268A2}"/>
-    <dgm:cxn modelId="{09B6FCCB-ED1D-4F1D-A60A-9270C5590E66}" type="presOf" srcId="{F6B7C396-722E-4FD1-BC3D-6432DFE7C40A}" destId="{38983C67-9840-4DE4-AF08-D5E14CEAE454}" srcOrd="1" destOrd="0" presId="urn:microsoft.com/office/officeart/2009/3/layout/PhasedProcess"/>
-    <dgm:cxn modelId="{89AB1A98-ED12-4597-9717-D657CB39D527}" type="presOf" srcId="{E0E79D18-9A8A-421F-938C-C323D6DAE29D}" destId="{C53AD499-1793-423E-8436-4C51C88A54B7}" srcOrd="0" destOrd="0" presId="urn:microsoft.com/office/officeart/2009/3/layout/PhasedProcess"/>
-    <dgm:cxn modelId="{84D56D38-E9F3-48EA-B47A-4410AE3F5D5E}" type="presOf" srcId="{4557A6EE-BBE9-4096-85C4-BCA658288EBC}" destId="{88A5E770-C45F-4E6A-A41C-F7BF78BCDD2C}" srcOrd="0" destOrd="0" presId="urn:microsoft.com/office/officeart/2009/3/layout/PhasedProcess"/>
-    <dgm:cxn modelId="{8A06B39D-27DD-4FA1-8476-96A334CD80DA}" type="presOf" srcId="{801A647E-E1C7-4358-9FF9-784EF3AAC4B4}" destId="{1330CEE4-1DFA-41C8-A52A-3E3CF1DADEF4}" srcOrd="0" destOrd="0" presId="urn:microsoft.com/office/officeart/2009/3/layout/PhasedProcess"/>
     <dgm:cxn modelId="{B2EFA10E-BE77-4180-85CF-95D99302987C}" srcId="{801A647E-E1C7-4358-9FF9-784EF3AAC4B4}" destId="{E0E79D18-9A8A-421F-938C-C323D6DAE29D}" srcOrd="1" destOrd="0" parTransId="{657EC2C2-99E0-4867-A6DA-216FAFFA1763}" sibTransId="{BCBCC5C9-ACD3-45A7-90D7-EEF43B32723D}"/>
-    <dgm:cxn modelId="{5BD74E3F-BCD2-4DEC-B7EA-3A5FF3ABEE08}" srcId="{801A647E-E1C7-4358-9FF9-784EF3AAC4B4}" destId="{2B8AA24A-B503-4B0F-973F-38F01FB6B61E}" srcOrd="0" destOrd="0" parTransId="{B5E539E3-101C-4FCB-9A78-D3FD70CC462C}" sibTransId="{3851D02A-328A-46A8-82FF-4D75423C97F5}"/>
-    <dgm:cxn modelId="{E5741CDD-456F-430D-AD43-6999D28DE1CA}" type="presOf" srcId="{F22E8860-E93F-48EA-B7DE-70E1F2BE88E5}" destId="{C8F8EAAB-B17C-4F7B-A045-1EE624BE259D}" srcOrd="0" destOrd="0" presId="urn:microsoft.com/office/officeart/2009/3/layout/PhasedProcess"/>
-    <dgm:cxn modelId="{975E8F4E-0B2D-4B26-8912-A3BF49F669DB}" srcId="{D395405C-F33C-4044-B48C-3A08564FCE18}" destId="{F22E8860-E93F-48EA-B7DE-70E1F2BE88E5}" srcOrd="0" destOrd="0" parTransId="{9ECA8B34-9FD9-4066-B35C-C3184049ACB2}" sibTransId="{B83DA6C5-431F-4D83-8302-B2F685F370AA}"/>
-    <dgm:cxn modelId="{97EB01D1-A69D-4CF0-983B-6EDB01778FD7}" type="presOf" srcId="{36BA95E7-3F8D-437E-97CC-813F0BD20FD6}" destId="{422C6CD1-2329-42B6-B750-3CAC4CE40363}" srcOrd="0" destOrd="0" presId="urn:microsoft.com/office/officeart/2009/3/layout/PhasedProcess"/>
-    <dgm:cxn modelId="{2DDBC949-CB6C-45B3-BBCA-88F23588EDAD}" srcId="{2B8AA24A-B503-4B0F-973F-38F01FB6B61E}" destId="{36BA95E7-3F8D-437E-97CC-813F0BD20FD6}" srcOrd="2" destOrd="0" parTransId="{B3AC3B48-6726-452D-A783-75D44D26F43F}" sibTransId="{2ED29A83-4164-462B-AEAF-4B3C152C6502}"/>
     <dgm:cxn modelId="{498F9143-F22D-41D3-8AC9-B210733009EA}" type="presParOf" srcId="{1330CEE4-1DFA-41C8-A52A-3E3CF1DADEF4}" destId="{F8DE4750-542C-4266-93FF-6371BE77EA10}" srcOrd="0" destOrd="0" presId="urn:microsoft.com/office/officeart/2009/3/layout/PhasedProcess"/>
     <dgm:cxn modelId="{F29A5066-2B5E-4C21-8B25-22A5396805F7}" type="presParOf" srcId="{1330CEE4-1DFA-41C8-A52A-3E3CF1DADEF4}" destId="{9CCF1049-1AF4-40FC-A1C7-B3F87A01862C}" srcOrd="1" destOrd="0" presId="urn:microsoft.com/office/officeart/2009/3/layout/PhasedProcess"/>
     <dgm:cxn modelId="{122CA8CA-70B3-413D-9E25-3703494F640B}" type="presParOf" srcId="{1330CEE4-1DFA-41C8-A52A-3E3CF1DADEF4}" destId="{C53AD499-1793-423E-8436-4C51C88A54B7}" srcOrd="2" destOrd="0" presId="urn:microsoft.com/office/officeart/2009/3/layout/PhasedProcess"/>
@@ -5620,9 +5687,19 @@
                 <a:rPr lang="en-GB" dirty="0" smtClean="0"/>
                 <a:t>For each </a:t>
               </a:r>
+              <a14:m>
+                <m:oMath xmlns:m="http://schemas.openxmlformats.org/officeDocument/2006/math">
+                  <m:r>
+                    <a:rPr lang="en-GB" b="0" i="1" smtClean="0">
+                      <a:latin typeface="Cambria Math"/>
+                    </a:rPr>
+                    <m:t>𝑘</m:t>
+                  </m:r>
+                </m:oMath>
+              </a14:m>
               <a:r>
                 <a:rPr lang="en-GB" i="1" dirty="0" smtClean="0"/>
-                <a:t>k, </a:t>
+                <a:t>, </a:t>
               </a:r>
               <a:r>
                 <a:rPr lang="en-GB" dirty="0" err="1" smtClean="0"/>
@@ -5630,7 +5707,7 @@
               </a:r>
               <a:r>
                 <a:rPr lang="en-GB" baseline="30000" dirty="0" err="1" smtClean="0"/>
-                <a:t>n</a:t>
+                <a:t>bn</a:t>
               </a:r>
               <a:r>
                 <a:rPr lang="en-GB" baseline="30000" dirty="0" smtClean="0"/>
@@ -5640,9 +5717,19 @@
                 <a:rPr lang="en-GB" dirty="0" smtClean="0"/>
                 <a:t>and </a:t>
               </a:r>
+              <a14:m>
+                <m:oMath xmlns:m="http://schemas.openxmlformats.org/officeDocument/2006/math">
+                  <m:r>
+                    <a:rPr lang="en-GB" b="0" i="1" smtClean="0">
+                      <a:latin typeface="Cambria Math"/>
+                    </a:rPr>
+                    <m:t>𝑁</m:t>
+                  </m:r>
+                </m:oMath>
+              </a14:m>
               <a:r>
                 <a:rPr lang="en-GB" i="1" dirty="0" smtClean="0"/>
-                <a:t>N </a:t>
+                <a:t> </a:t>
               </a:r>
               <a:r>
                 <a:rPr lang="en-GB" i="0" dirty="0" smtClean="0"/>
@@ -5846,20 +5933,22 @@
                 <a:t>For each </a:t>
               </a:r>
               <a:r>
+                <a:rPr lang="en-GB" b="0" i="0" smtClean="0">
+                  <a:latin typeface="Cambria Math"/>
+                </a:rPr>
+                <a:t>𝑘</a:t>
+              </a:r>
+              <a:r>
                 <a:rPr lang="en-GB" i="1" dirty="0" smtClean="0"/>
-                <a:t>k, </a:t>
+                <a:t>, </a:t>
               </a:r>
               <a:r>
                 <a:rPr lang="en-GB" dirty="0" err="1" smtClean="0"/>
-                <a:t>d</a:t>
-              </a:r>
-              <a:r>
-                <a:rPr lang="en-GB" dirty="0" err="1" smtClean="0"/>
-                <a:t>ist</a:t>
+                <a:t>dist</a:t>
               </a:r>
               <a:r>
                 <a:rPr lang="en-GB" baseline="30000" dirty="0" err="1" smtClean="0"/>
-                <a:t>n</a:t>
+                <a:t>bn</a:t>
               </a:r>
               <a:r>
                 <a:rPr lang="en-GB" baseline="30000" dirty="0" smtClean="0"/>
@@ -5870,8 +5959,14 @@
                 <a:t>and </a:t>
               </a:r>
               <a:r>
+                <a:rPr lang="en-GB" b="0" i="0" smtClean="0">
+                  <a:latin typeface="Cambria Math"/>
+                </a:rPr>
+                <a:t>𝑁</a:t>
+              </a:r>
+              <a:r>
                 <a:rPr lang="en-GB" i="1" dirty="0" smtClean="0"/>
-                <a:t>N </a:t>
+                <a:t> </a:t>
               </a:r>
               <a:r>
                 <a:rPr lang="en-GB" i="0" dirty="0" smtClean="0"/>
@@ -7270,6 +7365,13 @@
         </dgm:presLayoutVars>
       </dgm:prSet>
       <dgm:spPr/>
+      <dgm:t>
+        <a:bodyPr/>
+        <a:lstStyle/>
+        <a:p>
+          <a:endParaRPr lang="en-GB"/>
+        </a:p>
+      </dgm:t>
     </dgm:pt>
     <dgm:pt modelId="{00DE1A57-AE71-459D-9F37-1FA17675F3B8}" type="pres">
       <dgm:prSet presAssocID="{B5DA65C5-996D-4F7E-A815-10EEC5BC4BC7}" presName="arrow" presStyleLbl="bgShp" presStyleIdx="0" presStyleCnt="1"/>
@@ -7353,23 +7455,23 @@
     </dgm:pt>
   </dgm:ptLst>
   <dgm:cxnLst>
-    <dgm:cxn modelId="{ECED6615-D4CF-488D-8817-00B6DCB043E6}" type="presOf" srcId="{99C462FB-DBEC-4D1B-B1BD-D569107F18DD}" destId="{B98EE457-510F-4951-B5F4-546890CE0AA5}" srcOrd="0" destOrd="3" presId="urn:microsoft.com/office/officeart/2005/8/layout/hProcess9"/>
     <dgm:cxn modelId="{D198D9FC-64C1-4FA9-9FF2-88AF94779921}" type="presOf" srcId="{5F0F59B6-C1BA-4AE1-953A-630584E7D9F1}" destId="{B98EE457-510F-4951-B5F4-546890CE0AA5}" srcOrd="0" destOrd="1" presId="urn:microsoft.com/office/officeart/2005/8/layout/hProcess9"/>
+    <dgm:cxn modelId="{1DF58781-C635-4AC8-A7ED-9F5A6A78F644}" type="presOf" srcId="{BA4A76AF-E396-467A-BC73-72BCC87543F5}" destId="{680A6A52-B2D8-49B2-84D6-F1AF76E0CB10}" srcOrd="0" destOrd="0" presId="urn:microsoft.com/office/officeart/2005/8/layout/hProcess9"/>
+    <dgm:cxn modelId="{AAAAB76B-36B6-4697-8CBC-D14A360BCAD2}" srcId="{D4ED9245-AF18-4FD4-8185-E649F193636C}" destId="{CB3BB327-8803-4C5F-AC65-DEBF5FB9DAC0}" srcOrd="3" destOrd="0" parTransId="{115BB36D-3272-4504-814D-C0817B951B73}" sibTransId="{F8177712-AFA0-4685-A9BA-EEF8CF011678}"/>
+    <dgm:cxn modelId="{8BD95EE1-1967-4406-A640-AD7CEBB69ACC}" srcId="{B5DA65C5-996D-4F7E-A815-10EEC5BC4BC7}" destId="{BA4A76AF-E396-467A-BC73-72BCC87543F5}" srcOrd="0" destOrd="0" parTransId="{74166D62-A7B1-4AAB-8433-31504A16E85E}" sibTransId="{EA01089F-34A3-46BC-AAA2-E27FC14BB8FE}"/>
+    <dgm:cxn modelId="{EAC383CA-6301-4BC9-9F94-761BF63996BC}" type="presOf" srcId="{B5DA65C5-996D-4F7E-A815-10EEC5BC4BC7}" destId="{C352F36E-085F-485E-8E9D-C2EE896417BF}" srcOrd="0" destOrd="0" presId="urn:microsoft.com/office/officeart/2005/8/layout/hProcess9"/>
+    <dgm:cxn modelId="{878AA508-9411-4048-9DDE-4B4A60D38CDD}" srcId="{B5DA65C5-996D-4F7E-A815-10EEC5BC4BC7}" destId="{419C2CB8-0002-4C30-B891-27E57DECA0BB}" srcOrd="2" destOrd="0" parTransId="{8A2FCDF7-BB52-4EA3-8891-AF678504DAD2}" sibTransId="{30254F95-E251-402A-8406-72121B252910}"/>
+    <dgm:cxn modelId="{FB4E2CCE-97A4-494A-A2DA-7085583926DB}" srcId="{D4ED9245-AF18-4FD4-8185-E649F193636C}" destId="{079BF047-2D20-4881-BB72-EFD4BD09E391}" srcOrd="1" destOrd="0" parTransId="{514809F4-DFC8-4BF2-8BFE-5E63FFC46E00}" sibTransId="{DBFCD990-45A3-4B7E-A80E-5A52ACC9CDF1}"/>
     <dgm:cxn modelId="{E6648456-F7DE-4322-8AD6-9C678067FFDF}" srcId="{D4ED9245-AF18-4FD4-8185-E649F193636C}" destId="{99C462FB-DBEC-4D1B-B1BD-D569107F18DD}" srcOrd="2" destOrd="0" parTransId="{D5B795C4-294B-43C7-8FFB-D0A97EAADB91}" sibTransId="{817A62F3-C7E9-4FB6-8393-6BE3EE3E3595}"/>
-    <dgm:cxn modelId="{8BD95EE1-1967-4406-A640-AD7CEBB69ACC}" srcId="{B5DA65C5-996D-4F7E-A815-10EEC5BC4BC7}" destId="{BA4A76AF-E396-467A-BC73-72BCC87543F5}" srcOrd="0" destOrd="0" parTransId="{74166D62-A7B1-4AAB-8433-31504A16E85E}" sibTransId="{EA01089F-34A3-46BC-AAA2-E27FC14BB8FE}"/>
-    <dgm:cxn modelId="{1DF58781-C635-4AC8-A7ED-9F5A6A78F644}" type="presOf" srcId="{BA4A76AF-E396-467A-BC73-72BCC87543F5}" destId="{680A6A52-B2D8-49B2-84D6-F1AF76E0CB10}" srcOrd="0" destOrd="0" presId="urn:microsoft.com/office/officeart/2005/8/layout/hProcess9"/>
-    <dgm:cxn modelId="{FDD0F558-0F34-4B17-8B25-4CBD626950DB}" srcId="{B5DA65C5-996D-4F7E-A815-10EEC5BC4BC7}" destId="{6DEF18C0-D14E-4C7C-A452-FAEDCED6348E}" srcOrd="1" destOrd="0" parTransId="{4C86440D-9921-4BA7-B01E-77A1FCE7DF1A}" sibTransId="{857AF3D7-7C34-45E9-90A5-53FDB21BC513}"/>
-    <dgm:cxn modelId="{D960334A-16E3-45BF-A464-59B87DF4ABDF}" type="presOf" srcId="{D4ED9245-AF18-4FD4-8185-E649F193636C}" destId="{B98EE457-510F-4951-B5F4-546890CE0AA5}" srcOrd="0" destOrd="0" presId="urn:microsoft.com/office/officeart/2005/8/layout/hProcess9"/>
     <dgm:cxn modelId="{4EDB9848-7268-495F-926D-7E57DB510764}" srcId="{B5DA65C5-996D-4F7E-A815-10EEC5BC4BC7}" destId="{D4ED9245-AF18-4FD4-8185-E649F193636C}" srcOrd="3" destOrd="0" parTransId="{292644AD-EBF2-4F32-88A0-667BDD6751B7}" sibTransId="{164B7839-5588-4814-91CF-8033E8A2E1B2}"/>
-    <dgm:cxn modelId="{878AA508-9411-4048-9DDE-4B4A60D38CDD}" srcId="{B5DA65C5-996D-4F7E-A815-10EEC5BC4BC7}" destId="{419C2CB8-0002-4C30-B891-27E57DECA0BB}" srcOrd="2" destOrd="0" parTransId="{8A2FCDF7-BB52-4EA3-8891-AF678504DAD2}" sibTransId="{30254F95-E251-402A-8406-72121B252910}"/>
-    <dgm:cxn modelId="{5F1B7740-4676-4B29-8FE8-5CDF76155E07}" type="presOf" srcId="{079BF047-2D20-4881-BB72-EFD4BD09E391}" destId="{B98EE457-510F-4951-B5F4-546890CE0AA5}" srcOrd="0" destOrd="2" presId="urn:microsoft.com/office/officeart/2005/8/layout/hProcess9"/>
-    <dgm:cxn modelId="{AAAAB76B-36B6-4697-8CBC-D14A360BCAD2}" srcId="{D4ED9245-AF18-4FD4-8185-E649F193636C}" destId="{CB3BB327-8803-4C5F-AC65-DEBF5FB9DAC0}" srcOrd="3" destOrd="0" parTransId="{115BB36D-3272-4504-814D-C0817B951B73}" sibTransId="{F8177712-AFA0-4685-A9BA-EEF8CF011678}"/>
-    <dgm:cxn modelId="{EDD7A094-DBB5-4ACD-88DC-AE788DC81C42}" type="presOf" srcId="{6DEF18C0-D14E-4C7C-A452-FAEDCED6348E}" destId="{D7BF9169-0671-40F6-B0E4-4AFA76BF727A}" srcOrd="0" destOrd="0" presId="urn:microsoft.com/office/officeart/2005/8/layout/hProcess9"/>
     <dgm:cxn modelId="{A0A2DC13-0747-45EA-83CC-862F92B437DF}" type="presOf" srcId="{419C2CB8-0002-4C30-B891-27E57DECA0BB}" destId="{E03BF8F0-B1E1-4A80-8DFA-73C1CF2E9107}" srcOrd="0" destOrd="0" presId="urn:microsoft.com/office/officeart/2005/8/layout/hProcess9"/>
     <dgm:cxn modelId="{78F04AD7-D564-45A3-BC3E-190C7F26FE1A}" srcId="{D4ED9245-AF18-4FD4-8185-E649F193636C}" destId="{5F0F59B6-C1BA-4AE1-953A-630584E7D9F1}" srcOrd="0" destOrd="0" parTransId="{60B0797E-AE0E-4921-825D-80138C6340F9}" sibTransId="{68212D78-C6A5-4CA8-9B51-B1F948C0F46E}"/>
-    <dgm:cxn modelId="{EAC383CA-6301-4BC9-9F94-761BF63996BC}" type="presOf" srcId="{B5DA65C5-996D-4F7E-A815-10EEC5BC4BC7}" destId="{C352F36E-085F-485E-8E9D-C2EE896417BF}" srcOrd="0" destOrd="0" presId="urn:microsoft.com/office/officeart/2005/8/layout/hProcess9"/>
-    <dgm:cxn modelId="{FB4E2CCE-97A4-494A-A2DA-7085583926DB}" srcId="{D4ED9245-AF18-4FD4-8185-E649F193636C}" destId="{079BF047-2D20-4881-BB72-EFD4BD09E391}" srcOrd="1" destOrd="0" parTransId="{514809F4-DFC8-4BF2-8BFE-5E63FFC46E00}" sibTransId="{DBFCD990-45A3-4B7E-A80E-5A52ACC9CDF1}"/>
     <dgm:cxn modelId="{8240CB12-910B-4B5E-9DAB-E707046E0BA4}" type="presOf" srcId="{CB3BB327-8803-4C5F-AC65-DEBF5FB9DAC0}" destId="{B98EE457-510F-4951-B5F4-546890CE0AA5}" srcOrd="0" destOrd="4" presId="urn:microsoft.com/office/officeart/2005/8/layout/hProcess9"/>
+    <dgm:cxn modelId="{5F1B7740-4676-4B29-8FE8-5CDF76155E07}" type="presOf" srcId="{079BF047-2D20-4881-BB72-EFD4BD09E391}" destId="{B98EE457-510F-4951-B5F4-546890CE0AA5}" srcOrd="0" destOrd="2" presId="urn:microsoft.com/office/officeart/2005/8/layout/hProcess9"/>
+    <dgm:cxn modelId="{ECED6615-D4CF-488D-8817-00B6DCB043E6}" type="presOf" srcId="{99C462FB-DBEC-4D1B-B1BD-D569107F18DD}" destId="{B98EE457-510F-4951-B5F4-546890CE0AA5}" srcOrd="0" destOrd="3" presId="urn:microsoft.com/office/officeart/2005/8/layout/hProcess9"/>
+    <dgm:cxn modelId="{D960334A-16E3-45BF-A464-59B87DF4ABDF}" type="presOf" srcId="{D4ED9245-AF18-4FD4-8185-E649F193636C}" destId="{B98EE457-510F-4951-B5F4-546890CE0AA5}" srcOrd="0" destOrd="0" presId="urn:microsoft.com/office/officeart/2005/8/layout/hProcess9"/>
+    <dgm:cxn modelId="{EDD7A094-DBB5-4ACD-88DC-AE788DC81C42}" type="presOf" srcId="{6DEF18C0-D14E-4C7C-A452-FAEDCED6348E}" destId="{D7BF9169-0671-40F6-B0E4-4AFA76BF727A}" srcOrd="0" destOrd="0" presId="urn:microsoft.com/office/officeart/2005/8/layout/hProcess9"/>
+    <dgm:cxn modelId="{FDD0F558-0F34-4B17-8B25-4CBD626950DB}" srcId="{B5DA65C5-996D-4F7E-A815-10EEC5BC4BC7}" destId="{6DEF18C0-D14E-4C7C-A452-FAEDCED6348E}" srcOrd="1" destOrd="0" parTransId="{4C86440D-9921-4BA7-B01E-77A1FCE7DF1A}" sibTransId="{857AF3D7-7C34-45E9-90A5-53FDB21BC513}"/>
     <dgm:cxn modelId="{7A91CFEF-EE81-4649-B0AA-50AA696F2C9D}" type="presParOf" srcId="{C352F36E-085F-485E-8E9D-C2EE896417BF}" destId="{00DE1A57-AE71-459D-9F37-1FA17675F3B8}" srcOrd="0" destOrd="0" presId="urn:microsoft.com/office/officeart/2005/8/layout/hProcess9"/>
     <dgm:cxn modelId="{6CADD58B-ED17-48C0-88CD-31125E2991CB}" type="presParOf" srcId="{C352F36E-085F-485E-8E9D-C2EE896417BF}" destId="{467FBB59-F349-4626-9C97-09E3C61AA85B}" srcOrd="1" destOrd="0" presId="urn:microsoft.com/office/officeart/2005/8/layout/hProcess9"/>
     <dgm:cxn modelId="{1F837201-4E2A-47E0-A614-E3B428391BCE}" type="presParOf" srcId="{467FBB59-F349-4626-9C97-09E3C61AA85B}" destId="{680A6A52-B2D8-49B2-84D6-F1AF76E0CB10}" srcOrd="0" destOrd="0" presId="urn:microsoft.com/office/officeart/2005/8/layout/hProcess9"/>
@@ -7404,22 +7506,72 @@
         </a:p>
       </dgm:t>
     </dgm:pt>
-    <dgm:pt modelId="{E7F58FB7-75F6-4C37-84C4-7F362EFBF319}">
-      <dgm:prSet custT="1"/>
-      <dgm:spPr/>
-      <dgm:t>
-        <a:bodyPr anchor="ctr"/>
-        <a:lstStyle/>
-        <a:p>
-          <a:pPr algn="ctr" rtl="0"/>
-          <a:r>
-            <a:rPr lang="en-GB" sz="2000" dirty="0" smtClean="0"/>
-            <a:t>“What is the optimal value to choose for k in terms of reducing the bias?”</a:t>
-          </a:r>
-          <a:endParaRPr lang="en-GB" sz="2000" dirty="0"/>
-        </a:p>
-      </dgm:t>
-    </dgm:pt>
+    <mc:AlternateContent xmlns:mc="http://schemas.openxmlformats.org/markup-compatibility/2006" xmlns:a14="http://schemas.microsoft.com/office/drawing/2010/main">
+      <mc:Choice Requires="a14">
+        <dgm:pt modelId="{E7F58FB7-75F6-4C37-84C4-7F362EFBF319}">
+          <dgm:prSet custT="1"/>
+          <dgm:spPr/>
+          <dgm:t>
+            <a:bodyPr anchor="ctr"/>
+            <a:lstStyle/>
+            <a:p>
+              <a:pPr algn="ctr" rtl="0"/>
+              <a:r>
+                <a:rPr lang="en-GB" sz="2000" dirty="0" smtClean="0"/>
+                <a:t>“What is the optimal value to choose for </a:t>
+              </a:r>
+              <a14:m>
+                <m:oMath xmlns:m="http://schemas.openxmlformats.org/officeDocument/2006/math">
+                  <m:r>
+                    <a:rPr lang="en-GB" sz="2000" b="0" i="1" smtClean="0">
+                      <a:latin typeface="Cambria Math"/>
+                    </a:rPr>
+                    <m:t>𝑘</m:t>
+                  </m:r>
+                </m:oMath>
+              </a14:m>
+              <a:r>
+                <a:rPr lang="en-GB" sz="2000" dirty="0" smtClean="0"/>
+                <a:t> in terms of reducing the bias?”</a:t>
+              </a:r>
+              <a:endParaRPr lang="en-GB" sz="2000" dirty="0"/>
+            </a:p>
+          </dgm:t>
+        </dgm:pt>
+      </mc:Choice>
+      <mc:Fallback xmlns="">
+        <dgm:pt modelId="{E7F58FB7-75F6-4C37-84C4-7F362EFBF319}">
+          <dgm:prSet custT="1"/>
+          <dgm:spPr/>
+          <dgm:t>
+            <a:bodyPr anchor="ctr"/>
+            <a:lstStyle/>
+            <a:p>
+              <a:pPr algn="ctr" rtl="0"/>
+              <a:r>
+                <a:rPr lang="en-GB" sz="2000" dirty="0" smtClean="0"/>
+                <a:t>“What is the optimal value to choose for </a:t>
+              </a:r>
+              <a:r>
+                <a:rPr lang="en-GB" sz="2000" b="0" i="0" smtClean="0">
+                  <a:latin typeface="Cambria Math"/>
+                </a:rPr>
+                <a:t>𝑘</a:t>
+              </a:r>
+              <a:r>
+                <a:rPr lang="en-GB" sz="2000" dirty="0" smtClean="0"/>
+                <a:t> </a:t>
+              </a:r>
+              <a:r>
+                <a:rPr lang="en-GB" sz="2000" dirty="0" smtClean="0"/>
+                <a:t>in terms of reducing the bias?”</a:t>
+              </a:r>
+              <a:endParaRPr lang="en-GB" sz="2000" dirty="0"/>
+            </a:p>
+          </dgm:t>
+        </dgm:pt>
+      </mc:Fallback>
+    </mc:AlternateContent>
     <dgm:pt modelId="{8344A5D5-C5FA-45C3-B9D6-89D9FD01FF23}" type="parTrans" cxnId="{39BC4922-6C49-4479-AA91-EFD5756DF05A}">
       <dgm:prSet/>
       <dgm:spPr/>
@@ -7485,10 +7637,16 @@
                 <a:rPr lang="en-GB" sz="1800" dirty="0" smtClean="0"/>
                 <a:t>For smaller sample sizes, there was often a ‘better’ choice for </a:t>
               </a:r>
-              <a:r>
-                <a:rPr lang="en-GB" sz="1800" i="1" dirty="0" smtClean="0"/>
-                <a:t>k</a:t>
-              </a:r>
+              <a14:m>
+                <m:oMath xmlns:m="http://schemas.openxmlformats.org/officeDocument/2006/math">
+                  <m:r>
+                    <a:rPr lang="en-GB" sz="1800" b="0" i="1" smtClean="0">
+                      <a:latin typeface="Cambria Math"/>
+                    </a:rPr>
+                    <m:t>𝑘</m:t>
+                  </m:r>
+                </m:oMath>
+              </a14:m>
               <a:endParaRPr lang="en-GB" sz="1800" dirty="0"/>
             </a:p>
           </dgm:t>
@@ -7533,8 +7691,10 @@
                 <a:t>For smaller sample sizes, there was often a ‘better’ choice for </a:t>
               </a:r>
               <a:r>
-                <a:rPr lang="en-GB" sz="1800" i="1" dirty="0" smtClean="0"/>
-                <a:t>k</a:t>
+                <a:rPr lang="en-GB" sz="1800" b="0" i="0" smtClean="0">
+                  <a:latin typeface="Cambria Math"/>
+                </a:rPr>
+                <a:t>𝑘</a:t>
               </a:r>
               <a:endParaRPr lang="en-GB" sz="1800" dirty="0"/>
             </a:p>
@@ -7865,7 +8025,7 @@
               <a14:m>
                 <m:oMath xmlns:m="http://schemas.openxmlformats.org/officeDocument/2006/math">
                   <m:r>
-                    <a:rPr lang="en-GB" sz="1800" b="0" i="1" dirty="0" smtClean="0">
+                    <a:rPr lang="en-GB" sz="1800" b="0" i="1" smtClean="0">
                       <a:latin typeface="Cambria Math"/>
                     </a:rPr>
                     <m:t>𝑘</m:t>
@@ -7904,16 +8064,10 @@
                 <a:rPr lang="en-GB" sz="1800" b="0" i="0" dirty="0" smtClean="0">
                   <a:latin typeface="+mn-lt"/>
                 </a:rPr>
-                <a:t>) we </a:t>
+                <a:t>) we cannot know how to choose </a:t>
               </a:r>
               <a:r>
-                <a:rPr lang="en-GB" sz="1800" b="0" i="0" dirty="0" smtClean="0">
-                  <a:latin typeface="+mn-lt"/>
-                </a:rPr>
-                <a:t>cannot know how to choose </a:t>
-              </a:r>
-              <a:r>
-                <a:rPr lang="en-GB" sz="1800" b="0" i="0" dirty="0" smtClean="0">
+                <a:rPr lang="en-GB" sz="1800" b="0" i="0" smtClean="0">
                   <a:latin typeface="Cambria Math"/>
                 </a:rPr>
                 <a:t>𝑘</a:t>
@@ -8256,17 +8410,24 @@
     </dgm:pt>
     <dgm:pt modelId="{E7F58FB7-75F6-4C37-84C4-7F362EFBF319}">
       <dgm:prSet custT="1"/>
-      <dgm:spPr/>
+      <dgm:spPr>
+        <a:blipFill rotWithShape="1">
+          <a:blip xmlns:r="http://schemas.openxmlformats.org/officeDocument/2006/relationships" r:embed="rId1"/>
+          <a:stretch>
+            <a:fillRect l="-1856" r="-3918"/>
+          </a:stretch>
+        </a:blipFill>
+      </dgm:spPr>
       <dgm:t>
-        <a:bodyPr anchor="ctr"/>
+        <a:bodyPr/>
         <a:lstStyle/>
         <a:p>
-          <a:pPr algn="ctr" rtl="0"/>
           <a:r>
-            <a:rPr lang="en-GB" sz="2000" dirty="0" smtClean="0"/>
-            <a:t>“What is the optimal value to choose for k in terms of reducing the bias?”</a:t>
+            <a:rPr lang="en-GB">
+              <a:noFill/>
+            </a:rPr>
+            <a:t> </a:t>
           </a:r>
-          <a:endParaRPr lang="en-GB" sz="2000" dirty="0"/>
         </a:p>
       </dgm:t>
     </dgm:pt>
@@ -8296,9 +8457,9 @@
       <dgm:prSet custT="1"/>
       <dgm:spPr>
         <a:blipFill rotWithShape="1">
-          <a:blip xmlns:r="http://schemas.openxmlformats.org/officeDocument/2006/relationships" r:embed="rId1"/>
+          <a:blip xmlns:r="http://schemas.openxmlformats.org/officeDocument/2006/relationships" r:embed="rId2"/>
           <a:stretch>
-            <a:fillRect l="-1837" t="-4867" r="-3265" b="-7965"/>
+            <a:fillRect l="-1837" t="-5310" r="-3265" b="-7522"/>
           </a:stretch>
         </a:blipFill>
       </dgm:spPr>
@@ -8379,7 +8540,7 @@
       <dgm:prSet custT="1"/>
       <dgm:spPr>
         <a:blipFill rotWithShape="1">
-          <a:blip xmlns:r="http://schemas.openxmlformats.org/officeDocument/2006/relationships" r:embed="rId2"/>
+          <a:blip xmlns:r="http://schemas.openxmlformats.org/officeDocument/2006/relationships" r:embed="rId3"/>
           <a:stretch>
             <a:fillRect b="-2212"/>
           </a:stretch>
@@ -8424,7 +8585,7 @@
       <dgm:prSet custT="1"/>
       <dgm:spPr>
         <a:blipFill rotWithShape="1">
-          <a:blip xmlns:r="http://schemas.openxmlformats.org/officeDocument/2006/relationships" r:embed="rId3"/>
+          <a:blip xmlns:r="http://schemas.openxmlformats.org/officeDocument/2006/relationships" r:embed="rId4"/>
           <a:stretch>
             <a:fillRect l="-816" r="-2041"/>
           </a:stretch>
@@ -8834,7 +8995,21 @@
           </a:pPr>
           <a:r>
             <a:rPr lang="en-GB" sz="2000" kern="1200" dirty="0" smtClean="0"/>
-            <a:t>“What is the optimal value to choose for k in terms of reducing the bias?”</a:t>
+            <a:t>“What is the optimal value to choose for </a:t>
+          </a:r>
+          <a14:m xmlns:a14="http://schemas.microsoft.com/office/drawing/2010/main">
+            <m:oMath xmlns:m="http://schemas.openxmlformats.org/officeDocument/2006/math">
+              <m:r>
+                <a:rPr lang="en-GB" sz="2000" b="0" i="1" kern="1200" smtClean="0">
+                  <a:latin typeface="Cambria Math"/>
+                </a:rPr>
+                <m:t>𝑘</m:t>
+              </m:r>
+            </m:oMath>
+          </a14:m>
+          <a:r>
+            <a:rPr lang="en-GB" sz="2000" kern="1200" dirty="0" smtClean="0"/>
+            <a:t> in terms of reducing the bias?”</a:t>
           </a:r>
           <a:endParaRPr lang="en-GB" sz="2000" kern="1200" dirty="0"/>
         </a:p>
@@ -9637,7 +9812,7 @@
       </dsp:nvSpPr>
       <dsp:spPr>
         <a:xfrm rot="5400000">
-          <a:off x="208" y="184919"/>
+          <a:off x="208" y="337319"/>
           <a:ext cx="2719464" cy="2719882"/>
         </a:xfrm>
         <a:prstGeom prst="blockArc">
@@ -9690,7 +9865,7 @@
       </dsp:nvSpPr>
       <dsp:spPr>
         <a:xfrm rot="16200000">
-          <a:off x="2799095" y="184919"/>
+          <a:off x="2799095" y="337319"/>
           <a:ext cx="2719464" cy="2719882"/>
         </a:xfrm>
         <a:prstGeom prst="blockArc">
@@ -9743,7 +9918,7 @@
       </dsp:nvSpPr>
       <dsp:spPr>
         <a:xfrm>
-          <a:off x="3120664" y="2547403"/>
+          <a:off x="3120664" y="2699803"/>
           <a:ext cx="2064806" cy="544067"/>
         </a:xfrm>
         <a:prstGeom prst="rect">
@@ -9768,12 +9943,12 @@
         <a:fontRef idx="minor"/>
       </dsp:style>
       <dsp:txBody>
-        <a:bodyPr spcFirstLastPara="0" vert="horz" wrap="square" lIns="72390" tIns="72390" rIns="72390" bIns="72390" numCol="1" spcCol="1270" anchor="ctr" anchorCtr="0">
+        <a:bodyPr spcFirstLastPara="0" vert="horz" wrap="square" lIns="68580" tIns="68580" rIns="68580" bIns="68580" numCol="1" spcCol="1270" anchor="ctr" anchorCtr="0">
           <a:noAutofit/>
         </a:bodyPr>
         <a:lstStyle/>
         <a:p>
-          <a:pPr lvl="0" algn="ctr" defTabSz="844550">
+          <a:pPr lvl="0" algn="ctr" defTabSz="800100">
             <a:lnSpc>
               <a:spcPct val="90000"/>
             </a:lnSpc>
@@ -9785,14 +9960,21 @@
             </a:spcAft>
           </a:pPr>
           <a:r>
-            <a:rPr lang="en-GB" sz="1900" kern="1200" dirty="0" smtClean="0"/>
-            <a:t>MVT</a:t>
+            <a:rPr lang="en-GB" sz="1800" kern="1200" dirty="0" smtClean="0"/>
+            <a:t>Law of Large </a:t>
           </a:r>
-          <a:endParaRPr lang="en-GB" sz="1900" kern="1200" dirty="0"/>
+          <a:br>
+            <a:rPr lang="en-GB" sz="1800" kern="1200" dirty="0" smtClean="0"/>
+          </a:br>
+          <a:r>
+            <a:rPr lang="en-GB" sz="1800" kern="1200" dirty="0" smtClean="0"/>
+            <a:t>Numbers</a:t>
+          </a:r>
+          <a:endParaRPr lang="en-GB" sz="1800" kern="1200" dirty="0"/>
         </a:p>
       </dsp:txBody>
       <dsp:txXfrm>
-        <a:off x="3120664" y="2547403"/>
+        <a:off x="3120664" y="2699803"/>
         <a:ext cx="2064806" cy="544067"/>
       </dsp:txXfrm>
     </dsp:sp>
@@ -9803,7 +9985,7 @@
       </dsp:nvSpPr>
       <dsp:spPr>
         <a:xfrm rot="5400000">
-          <a:off x="2711862" y="184919"/>
+          <a:off x="2711862" y="337319"/>
           <a:ext cx="2719464" cy="2719882"/>
         </a:xfrm>
         <a:prstGeom prst="blockArc">
@@ -9856,7 +10038,7 @@
       </dsp:nvSpPr>
       <dsp:spPr>
         <a:xfrm rot="16200000">
-          <a:off x="5509926" y="184919"/>
+          <a:off x="5509926" y="337319"/>
           <a:ext cx="2719464" cy="2719882"/>
         </a:xfrm>
         <a:prstGeom prst="blockArc">
@@ -9909,7 +10091,7 @@
       </dsp:nvSpPr>
       <dsp:spPr>
         <a:xfrm>
-          <a:off x="5633161" y="2547403"/>
+          <a:off x="5633161" y="2699803"/>
           <a:ext cx="2064806" cy="544067"/>
         </a:xfrm>
         <a:prstGeom prst="rect">
@@ -9934,12 +10116,12 @@
         <a:fontRef idx="minor"/>
       </dsp:style>
       <dsp:txBody>
-        <a:bodyPr spcFirstLastPara="0" vert="horz" wrap="square" lIns="72390" tIns="72390" rIns="72390" bIns="72390" numCol="1" spcCol="1270" anchor="ctr" anchorCtr="0">
+        <a:bodyPr spcFirstLastPara="0" vert="horz" wrap="square" lIns="68580" tIns="68580" rIns="68580" bIns="68580" numCol="1" spcCol="1270" anchor="ctr" anchorCtr="0">
           <a:noAutofit/>
         </a:bodyPr>
         <a:lstStyle/>
         <a:p>
-          <a:pPr lvl="0" algn="ctr" defTabSz="844550">
+          <a:pPr lvl="0" algn="ctr" defTabSz="800100">
             <a:lnSpc>
               <a:spcPct val="90000"/>
             </a:lnSpc>
@@ -9951,14 +10133,14 @@
             </a:spcAft>
           </a:pPr>
           <a:r>
-            <a:rPr lang="en-GB" sz="1900" kern="1200" dirty="0" smtClean="0"/>
+            <a:rPr lang="en-GB" sz="1800" kern="1200" dirty="0" smtClean="0"/>
             <a:t>Result</a:t>
           </a:r>
-          <a:endParaRPr lang="en-GB" sz="1900" kern="1200" dirty="0"/>
+          <a:endParaRPr lang="en-GB" sz="1800" kern="1200" dirty="0"/>
         </a:p>
       </dsp:txBody>
       <dsp:txXfrm>
-        <a:off x="5633161" y="2547403"/>
+        <a:off x="5633161" y="2699803"/>
         <a:ext cx="2064806" cy="544067"/>
       </dsp:txXfrm>
     </dsp:sp>
@@ -9969,7 +10151,7 @@
       </dsp:nvSpPr>
       <dsp:spPr>
         <a:xfrm>
-          <a:off x="3172023" y="634158"/>
+          <a:off x="3172023" y="786558"/>
           <a:ext cx="1908595" cy="1908595"/>
         </a:xfrm>
         <a:prstGeom prst="ellipse">
@@ -10017,7 +10199,7 @@
         </a:bodyPr>
         <a:lstStyle/>
         <a:p>
-          <a:pPr lvl="0" algn="ctr" defTabSz="844550">
+          <a:pPr lvl="0" algn="ctr" defTabSz="800100">
             <a:lnSpc>
               <a:spcPct val="90000"/>
             </a:lnSpc>
@@ -10029,21 +10211,21 @@
             </a:spcAft>
           </a:pPr>
           <a:r>
-            <a:rPr lang="en-GB" sz="1900" kern="1200" dirty="0" smtClean="0"/>
+            <a:rPr lang="en-GB" sz="1800" kern="1200" dirty="0" smtClean="0"/>
             <a:t>500 times</a:t>
           </a:r>
           <a:br>
-            <a:rPr lang="en-GB" sz="1900" kern="1200" dirty="0" smtClean="0"/>
+            <a:rPr lang="en-GB" sz="1800" kern="1200" dirty="0" smtClean="0"/>
           </a:br>
           <a:r>
-            <a:rPr lang="en-GB" sz="1900" kern="1200" dirty="0" smtClean="0"/>
+            <a:rPr lang="en-GB" sz="1800" kern="1200" dirty="0" smtClean="0"/>
             <a:t>(Find estimator each time)</a:t>
           </a:r>
-          <a:endParaRPr lang="en-GB" sz="1900" kern="1200" dirty="0"/>
+          <a:endParaRPr lang="en-GB" sz="1800" kern="1200" dirty="0"/>
         </a:p>
       </dsp:txBody>
       <dsp:txXfrm>
-        <a:off x="3553742" y="825017"/>
+        <a:off x="3553742" y="977417"/>
         <a:ext cx="1145157" cy="1526876"/>
       </dsp:txXfrm>
     </dsp:sp>
@@ -10054,8 +10236,8 @@
       </dsp:nvSpPr>
       <dsp:spPr>
         <a:xfrm>
-          <a:off x="784422" y="597960"/>
-          <a:ext cx="861686" cy="861706"/>
+          <a:off x="677930" y="718080"/>
+          <a:ext cx="1074669" cy="990824"/>
         </a:xfrm>
         <a:prstGeom prst="ellipse">
           <a:avLst/>
@@ -10119,14 +10301,14 @@
           </a:r>
           <a:r>
             <a:rPr lang="en-GB" sz="1800" kern="1200" baseline="30000" dirty="0" err="1" smtClean="0"/>
-            <a:t>n</a:t>
+            <a:t>bn</a:t>
           </a:r>
           <a:endParaRPr lang="en-GB" sz="1800" i="1" kern="1200" dirty="0"/>
         </a:p>
       </dsp:txBody>
       <dsp:txXfrm>
-        <a:off x="910613" y="724154"/>
-        <a:ext cx="609304" cy="609318"/>
+        <a:off x="835312" y="863183"/>
+        <a:ext cx="759905" cy="700618"/>
       </dsp:txXfrm>
     </dsp:sp>
     <dsp:sp modelId="{CA97AFDD-F5DF-4C59-9628-48E94AD160EF}">
@@ -10136,7 +10318,7 @@
       </dsp:nvSpPr>
       <dsp:spPr>
         <a:xfrm>
-          <a:off x="466618" y="1318384"/>
+          <a:off x="466618" y="1503064"/>
           <a:ext cx="423266" cy="423097"/>
         </a:xfrm>
         <a:prstGeom prst="ellipse">
@@ -10186,7 +10368,7 @@
       </dsp:nvSpPr>
       <dsp:spPr>
         <a:xfrm>
-          <a:off x="1716821" y="767460"/>
+          <a:off x="1716821" y="952140"/>
           <a:ext cx="246282" cy="246121"/>
         </a:xfrm>
         <a:prstGeom prst="ellipse">
@@ -10236,7 +10418,7 @@
       </dsp:nvSpPr>
       <dsp:spPr>
         <a:xfrm>
-          <a:off x="1625298" y="1112629"/>
+          <a:off x="1625298" y="1297308"/>
           <a:ext cx="861686" cy="861706"/>
         </a:xfrm>
         <a:prstGeom prst="ellipse">
@@ -10303,7 +10485,7 @@
         </a:p>
       </dsp:txBody>
       <dsp:txXfrm>
-        <a:off x="1751489" y="1238823"/>
+        <a:off x="1751489" y="1423502"/>
         <a:ext cx="609304" cy="609318"/>
       </dsp:txXfrm>
     </dsp:sp>
@@ -10314,7 +10496,7 @@
       </dsp:nvSpPr>
       <dsp:spPr>
         <a:xfrm>
-          <a:off x="1715407" y="2027036"/>
+          <a:off x="1715407" y="2211715"/>
           <a:ext cx="246282" cy="246121"/>
         </a:xfrm>
         <a:prstGeom prst="ellipse">
@@ -10364,7 +10546,7 @@
       </dsp:nvSpPr>
       <dsp:spPr>
         <a:xfrm>
-          <a:off x="799776" y="1605059"/>
+          <a:off x="799776" y="1789739"/>
           <a:ext cx="861686" cy="861706"/>
         </a:xfrm>
         <a:prstGeom prst="ellipse">
@@ -10431,7 +10613,7 @@
         </a:p>
       </dsp:txBody>
       <dsp:txXfrm>
-        <a:off x="925967" y="1731253"/>
+        <a:off x="925967" y="1915933"/>
         <a:ext cx="609304" cy="609318"/>
       </dsp:txXfrm>
     </dsp:sp>
@@ -10442,7 +10624,7 @@
       </dsp:nvSpPr>
       <dsp:spPr>
         <a:xfrm>
-          <a:off x="5703719" y="617536"/>
+          <a:off x="5703719" y="769936"/>
           <a:ext cx="1916283" cy="1847382"/>
         </a:xfrm>
         <a:prstGeom prst="ellipse">
@@ -10565,7 +10747,7 @@
         </a:p>
       </dsp:txBody>
       <dsp:txXfrm>
-        <a:off x="5984352" y="888079"/>
+        <a:off x="5984352" y="1040479"/>
         <a:ext cx="1355017" cy="1306296"/>
       </dsp:txXfrm>
     </dsp:sp>
@@ -10576,7 +10758,7 @@
       </dsp:nvSpPr>
       <dsp:spPr>
         <a:xfrm>
-          <a:off x="511058" y="2547403"/>
+          <a:off x="511058" y="2699803"/>
           <a:ext cx="2064806" cy="544067"/>
         </a:xfrm>
         <a:prstGeom prst="rect">
@@ -10601,12 +10783,12 @@
         <a:fontRef idx="minor"/>
       </dsp:style>
       <dsp:txBody>
-        <a:bodyPr spcFirstLastPara="0" vert="horz" wrap="square" lIns="72390" tIns="72390" rIns="72390" bIns="72390" numCol="1" spcCol="1270" anchor="ctr" anchorCtr="0">
+        <a:bodyPr spcFirstLastPara="0" vert="horz" wrap="square" lIns="68580" tIns="68580" rIns="68580" bIns="68580" numCol="1" spcCol="1270" anchor="ctr" anchorCtr="0">
           <a:noAutofit/>
         </a:bodyPr>
         <a:lstStyle/>
         <a:p>
-          <a:pPr lvl="0" algn="ctr" defTabSz="844550">
+          <a:pPr lvl="0" algn="ctr" defTabSz="800100">
             <a:lnSpc>
               <a:spcPct val="90000"/>
             </a:lnSpc>
@@ -10618,14 +10800,14 @@
             </a:spcAft>
           </a:pPr>
           <a:r>
-            <a:rPr lang="en-GB" sz="1900" kern="1200" dirty="0" smtClean="0"/>
+            <a:rPr lang="en-GB" sz="1800" kern="1200" dirty="0" smtClean="0"/>
             <a:t>Parameter Choices</a:t>
           </a:r>
-          <a:endParaRPr lang="en-GB" sz="1900" kern="1200" dirty="0"/>
+          <a:endParaRPr lang="en-GB" sz="1800" kern="1200" dirty="0"/>
         </a:p>
       </dsp:txBody>
       <dsp:txXfrm>
-        <a:off x="511058" y="2547403"/>
+        <a:off x="511058" y="2699803"/>
         <a:ext cx="2064806" cy="544067"/>
       </dsp:txXfrm>
     </dsp:sp>
@@ -10750,9 +10932,19 @@
             <a:rPr lang="en-GB" sz="1900" kern="1200" dirty="0" smtClean="0"/>
             <a:t>For each </a:t>
           </a:r>
+          <a14:m xmlns:a14="http://schemas.microsoft.com/office/drawing/2010/main">
+            <m:oMath xmlns:m="http://schemas.openxmlformats.org/officeDocument/2006/math">
+              <m:r>
+                <a:rPr lang="en-GB" sz="1900" b="0" i="1" kern="1200" smtClean="0">
+                  <a:latin typeface="Cambria Math"/>
+                </a:rPr>
+                <m:t>𝑘</m:t>
+              </m:r>
+            </m:oMath>
+          </a14:m>
           <a:r>
             <a:rPr lang="en-GB" sz="1900" i="1" kern="1200" dirty="0" smtClean="0"/>
-            <a:t>k, </a:t>
+            <a:t>, </a:t>
           </a:r>
           <a:r>
             <a:rPr lang="en-GB" sz="1900" kern="1200" dirty="0" err="1" smtClean="0"/>
@@ -10760,7 +10952,7 @@
           </a:r>
           <a:r>
             <a:rPr lang="en-GB" sz="1900" kern="1200" baseline="30000" dirty="0" err="1" smtClean="0"/>
-            <a:t>n</a:t>
+            <a:t>bn</a:t>
           </a:r>
           <a:r>
             <a:rPr lang="en-GB" sz="1900" kern="1200" baseline="30000" dirty="0" smtClean="0"/>
@@ -10770,9 +10962,19 @@
             <a:rPr lang="en-GB" sz="1900" kern="1200" dirty="0" smtClean="0"/>
             <a:t>and </a:t>
           </a:r>
+          <a14:m xmlns:a14="http://schemas.microsoft.com/office/drawing/2010/main">
+            <m:oMath xmlns:m="http://schemas.openxmlformats.org/officeDocument/2006/math">
+              <m:r>
+                <a:rPr lang="en-GB" sz="1900" b="0" i="1" kern="1200" smtClean="0">
+                  <a:latin typeface="Cambria Math"/>
+                </a:rPr>
+                <m:t>𝑁</m:t>
+              </m:r>
+            </m:oMath>
+          </a14:m>
           <a:r>
             <a:rPr lang="en-GB" sz="1900" i="1" kern="1200" dirty="0" smtClean="0"/>
-            <a:t>N </a:t>
+            <a:t> </a:t>
           </a:r>
           <a:r>
             <a:rPr lang="en-GB" sz="1900" i="0" kern="1200" dirty="0" smtClean="0"/>
@@ -11623,7 +11825,21 @@
           </a:pPr>
           <a:r>
             <a:rPr lang="en-GB" sz="2000" kern="1200" dirty="0" smtClean="0"/>
-            <a:t>“What is the optimal value to choose for k in terms of reducing the bias?”</a:t>
+            <a:t>“What is the optimal value to choose for </a:t>
+          </a:r>
+          <a14:m xmlns:a14="http://schemas.microsoft.com/office/drawing/2010/main">
+            <m:oMath xmlns:m="http://schemas.openxmlformats.org/officeDocument/2006/math">
+              <m:r>
+                <a:rPr lang="en-GB" sz="2000" b="0" i="1" kern="1200" smtClean="0">
+                  <a:latin typeface="Cambria Math"/>
+                </a:rPr>
+                <m:t>𝑘</m:t>
+              </m:r>
+            </m:oMath>
+          </a14:m>
+          <a:r>
+            <a:rPr lang="en-GB" sz="2000" kern="1200" dirty="0" smtClean="0"/>
+            <a:t> in terms of reducing the bias?”</a:t>
           </a:r>
           <a:endParaRPr lang="en-GB" sz="2000" kern="1200" dirty="0"/>
         </a:p>
@@ -11800,10 +12016,16 @@
             <a:rPr lang="en-GB" sz="1800" kern="1200" dirty="0" smtClean="0"/>
             <a:t>For smaller sample sizes, there was often a ‘better’ choice for </a:t>
           </a:r>
-          <a:r>
-            <a:rPr lang="en-GB" sz="1800" i="1" kern="1200" dirty="0" smtClean="0"/>
-            <a:t>k</a:t>
-          </a:r>
+          <a14:m xmlns:a14="http://schemas.microsoft.com/office/drawing/2010/main">
+            <m:oMath xmlns:m="http://schemas.openxmlformats.org/officeDocument/2006/math">
+              <m:r>
+                <a:rPr lang="en-GB" sz="1800" b="0" i="1" kern="1200" smtClean="0">
+                  <a:latin typeface="Cambria Math"/>
+                </a:rPr>
+                <m:t>𝑘</m:t>
+              </m:r>
+            </m:oMath>
+          </a14:m>
           <a:endParaRPr lang="en-GB" sz="1800" kern="1200" dirty="0"/>
         </a:p>
       </dsp:txBody>
@@ -11967,7 +12189,7 @@
           <a14:m xmlns:a14="http://schemas.microsoft.com/office/drawing/2010/main">
             <m:oMath xmlns:m="http://schemas.openxmlformats.org/officeDocument/2006/math">
               <m:r>
-                <a:rPr lang="en-GB" sz="1800" b="0" i="1" kern="1200" dirty="0" smtClean="0">
+                <a:rPr lang="en-GB" sz="1800" b="0" i="1" kern="1200" smtClean="0">
                   <a:latin typeface="Cambria Math"/>
                 </a:rPr>
                 <m:t>𝑘</m:t>
@@ -18580,7 +18802,7 @@
           <a:p>
             <a:fld id="{93DF0DA9-78E6-4B44-96C2-F9B317246466}" type="datetimeFigureOut">
               <a:rPr lang="en-GB" smtClean="0"/>
-              <a:t>30/05/2017</a:t>
+              <a:t>01/06/2017</a:t>
             </a:fld>
             <a:endParaRPr lang="en-GB"/>
           </a:p>
@@ -19322,7 +19544,7 @@
           <a:p>
             <a:fld id="{1C70EA99-9B32-4ECF-8B36-9C30979541D0}" type="datetime1">
               <a:rPr lang="en-GB" smtClean="0"/>
-              <a:t>30/05/2017</a:t>
+              <a:t>01/06/2017</a:t>
             </a:fld>
             <a:endParaRPr lang="en-GB"/>
           </a:p>
@@ -19516,7 +19738,7 @@
           <a:p>
             <a:fld id="{08BC4B44-836E-4F3E-A06A-A13CA7E0CFB1}" type="datetime1">
               <a:rPr lang="en-GB" smtClean="0"/>
-              <a:t>30/05/2017</a:t>
+              <a:t>01/06/2017</a:t>
             </a:fld>
             <a:endParaRPr lang="en-GB"/>
           </a:p>
@@ -21299,7 +21521,7 @@
           <a:p>
             <a:fld id="{440A5CF7-F969-4EBB-B0CB-B3AA45A9F6E8}" type="datetime1">
               <a:rPr lang="en-GB" smtClean="0"/>
-              <a:t>30/05/2017</a:t>
+              <a:t>01/06/2017</a:t>
             </a:fld>
             <a:endParaRPr lang="en-GB"/>
           </a:p>
@@ -21725,7 +21947,7 @@
           <a:p>
             <a:fld id="{58E5D944-80E3-4FDB-A01A-3E11F6ADD3C9}" type="datetime1">
               <a:rPr lang="en-GB" smtClean="0"/>
-              <a:t>30/05/2017</a:t>
+              <a:t>01/06/2017</a:t>
             </a:fld>
             <a:endParaRPr lang="en-GB"/>
           </a:p>
@@ -23002,14 +23224,14 @@
                 <p:ph sz="quarter" idx="1"/>
                 <p:extLst>
                   <p:ext uri="{D42A27DB-BD31-4B8C-83A1-F6EECF244321}">
-                    <p14:modId xmlns:p14="http://schemas.microsoft.com/office/powerpoint/2010/main" val="2043141601"/>
+                    <p14:modId xmlns:p14="http://schemas.microsoft.com/office/powerpoint/2010/main" val="2563879103"/>
                   </p:ext>
                 </p:extLst>
               </p:nvPr>
             </p:nvGraphicFramePr>
             <p:xfrm>
               <a:off x="457200" y="1219201"/>
-              <a:ext cx="8229600" cy="3276599"/>
+              <a:ext cx="8229600" cy="3581399"/>
             </p:xfrm>
             <a:graphic>
               <a:graphicData uri="http://schemas.openxmlformats.org/drawingml/2006/diagram">
@@ -23029,14 +23251,14 @@
                 <p:ph sz="quarter" idx="1"/>
                 <p:extLst>
                   <p:ext uri="{D42A27DB-BD31-4B8C-83A1-F6EECF244321}">
-                    <p14:modId xmlns:p14="http://schemas.microsoft.com/office/powerpoint/2010/main" val="2043141601"/>
+                    <p14:modId xmlns:p14="http://schemas.microsoft.com/office/powerpoint/2010/main" val="2563879103"/>
                   </p:ext>
                 </p:extLst>
               </p:nvPr>
             </p:nvGraphicFramePr>
             <p:xfrm>
               <a:off x="457200" y="1219201"/>
-              <a:ext cx="8229600" cy="3276599"/>
+              <a:ext cx="8229600" cy="3581399"/>
             </p:xfrm>
             <a:graphic>
               <a:graphicData uri="http://schemas.openxmlformats.org/drawingml/2006/diagram">
@@ -23062,7 +23284,7 @@
           <a:lstStyle/>
           <a:p>
             <a:r>
-              <a:rPr lang="en-GB" smtClean="0"/>
+              <a:rPr lang="en-GB" dirty="0" smtClean="0"/>
               <a:t>Karina Marks – Statistical Inference for Entropy</a:t>
             </a:r>
             <a:endParaRPr lang="en-GB" dirty="0"/>
@@ -23079,7 +23301,12 @@
             <p:ph type="sldNum" sz="quarter" idx="12"/>
           </p:nvPr>
         </p:nvSpPr>
-        <p:spPr/>
+        <p:spPr>
+          <a:xfrm flipV="1">
+            <a:off x="612648" y="4663440"/>
+            <a:ext cx="1981200" cy="1692910"/>
+          </a:xfrm>
+        </p:spPr>
         <p:txBody>
           <a:bodyPr/>
           <a:lstStyle/>
@@ -23300,20 +23527,8 @@
               </a:lstStyle>
               <a:p>
                 <a:r>
-                  <a:rPr lang="en-GB" sz="2000" dirty="0" err="1" smtClean="0"/>
-                  <a:t>Dist</a:t>
-                </a:r>
-                <a:r>
-                  <a:rPr lang="en-GB" sz="2000" baseline="30000" dirty="0" err="1" smtClean="0"/>
-                  <a:t>n</a:t>
-                </a:r>
-                <a:r>
-                  <a:rPr lang="en-GB" sz="2000" baseline="30000" dirty="0" smtClean="0"/>
-                  <a:t> </a:t>
-                </a:r>
-                <a:r>
                   <a:rPr lang="en-GB" sz="2000" dirty="0" smtClean="0"/>
-                  <a:t>either Normal, Uniform or Exponential</a:t>
+                  <a:t>Distribution either Normal, Uniform or Exponential</a:t>
                 </a:r>
               </a:p>
               <a:p>
@@ -23627,10 +23842,13 @@
                         <m:t>=</m:t>
                       </m:r>
                       <m:r>
+                        <m:rPr>
+                          <m:sty m:val="p"/>
+                        </m:rPr>
                         <a:rPr lang="en-GB" b="0" i="1" smtClean="0">
                           <a:latin typeface="Cambria Math"/>
                         </a:rPr>
-                        <m:t>𝑙𝑜𝑔</m:t>
+                        <m:t>log</m:t>
                       </m:r>
                       <m:d>
                         <m:dPr>
@@ -24168,7 +24386,7 @@
                 <p:ph sz="quarter" idx="1"/>
                 <p:extLst>
                   <p:ext uri="{D42A27DB-BD31-4B8C-83A1-F6EECF244321}">
-                    <p14:modId xmlns:p14="http://schemas.microsoft.com/office/powerpoint/2010/main" val="2604017078"/>
+                    <p14:modId xmlns:p14="http://schemas.microsoft.com/office/powerpoint/2010/main" val="744572086"/>
                   </p:ext>
                 </p:extLst>
               </p:nvPr>
@@ -24195,7 +24413,7 @@
                 <p:ph sz="quarter" idx="1"/>
                 <p:extLst>
                   <p:ext uri="{D42A27DB-BD31-4B8C-83A1-F6EECF244321}">
-                    <p14:modId xmlns:p14="http://schemas.microsoft.com/office/powerpoint/2010/main" val="2604017078"/>
+                    <p14:modId xmlns:p14="http://schemas.microsoft.com/office/powerpoint/2010/main" val="744572086"/>
                   </p:ext>
                 </p:extLst>
               </p:nvPr>
@@ -24424,7 +24642,7 @@
               <a:p>
                 <a:r>
                   <a:rPr lang="en-GB" dirty="0" smtClean="0"/>
-                  <a:t>Analytically decipher which choices of </a:t>
+                  <a:t>Decipher which choices of </a:t>
                 </a:r>
                 <a14:m>
                   <m:oMath xmlns:m="http://schemas.openxmlformats.org/officeDocument/2006/math">
@@ -25083,6 +25301,64 @@
           </a:p>
         </p:txBody>
       </p:sp>
+      <p:pic>
+        <p:nvPicPr>
+          <p:cNvPr id="8" name="Content Placeholder 7"/>
+          <p:cNvPicPr>
+            <a:picLocks noGrp="1" noChangeAspect="1"/>
+          </p:cNvPicPr>
+          <p:nvPr>
+            <p:ph sz="quarter" idx="1"/>
+          </p:nvPr>
+        </p:nvPicPr>
+        <p:blipFill>
+          <a:blip r:embed="rId2">
+            <a:extLst>
+              <a:ext uri="{28A0092B-C50C-407E-A947-70E740481C1C}">
+                <a14:useLocalDpi xmlns:a14="http://schemas.microsoft.com/office/drawing/2010/main" val="0"/>
+              </a:ext>
+            </a:extLst>
+          </a:blip>
+          <a:stretch>
+            <a:fillRect/>
+          </a:stretch>
+        </p:blipFill>
+        <p:spPr>
+          <a:xfrm>
+            <a:off x="457200" y="1311399"/>
+            <a:ext cx="4041775" cy="2346201"/>
+          </a:xfrm>
+        </p:spPr>
+      </p:pic>
+      <p:pic>
+        <p:nvPicPr>
+          <p:cNvPr id="10" name="Content Placeholder 9"/>
+          <p:cNvPicPr>
+            <a:picLocks noGrp="1" noChangeAspect="1"/>
+          </p:cNvPicPr>
+          <p:nvPr>
+            <p:ph sz="quarter" idx="2"/>
+          </p:nvPr>
+        </p:nvPicPr>
+        <p:blipFill>
+          <a:blip r:embed="rId3">
+            <a:extLst>
+              <a:ext uri="{28A0092B-C50C-407E-A947-70E740481C1C}">
+                <a14:useLocalDpi xmlns:a14="http://schemas.microsoft.com/office/drawing/2010/main" val="0"/>
+              </a:ext>
+            </a:extLst>
+          </a:blip>
+          <a:stretch>
+            <a:fillRect/>
+          </a:stretch>
+        </p:blipFill>
+        <p:spPr>
+          <a:xfrm>
+            <a:off x="4632325" y="1311399"/>
+            <a:ext cx="4041775" cy="2346201"/>
+          </a:xfrm>
+        </p:spPr>
+      </p:pic>
       <p:sp>
         <p:nvSpPr>
           <p:cNvPr id="5" name="Footer Placeholder 4"/>
@@ -25131,16 +25407,14 @@
       </p:sp>
       <p:pic>
         <p:nvPicPr>
-          <p:cNvPr id="9" name="Content Placeholder 8"/>
+          <p:cNvPr id="11" name="Content Placeholder 6"/>
           <p:cNvPicPr>
-            <a:picLocks noGrp="1" noChangeAspect="1"/>
+            <a:picLocks noChangeAspect="1"/>
           </p:cNvPicPr>
-          <p:nvPr>
-            <p:ph sz="quarter" idx="1"/>
-          </p:nvPr>
+          <p:nvPr/>
         </p:nvPicPr>
         <p:blipFill>
-          <a:blip r:embed="rId2">
+          <a:blip r:embed="rId4">
             <a:extLst>
               <a:ext uri="{28A0092B-C50C-407E-A947-70E740481C1C}">
                 <a14:useLocalDpi xmlns:a14="http://schemas.microsoft.com/office/drawing/2010/main" val="0"/>
@@ -25153,9 +25427,42 @@
         </p:blipFill>
         <p:spPr>
           <a:xfrm>
-            <a:off x="633933" y="1371600"/>
-            <a:ext cx="7876134" cy="4572000"/>
+            <a:off x="457200" y="3889375"/>
+            <a:ext cx="4041775" cy="2346201"/>
           </a:xfrm>
+          <a:prstGeom prst="rect">
+            <a:avLst/>
+          </a:prstGeom>
+        </p:spPr>
+      </p:pic>
+      <p:pic>
+        <p:nvPicPr>
+          <p:cNvPr id="12" name="Content Placeholder 7"/>
+          <p:cNvPicPr>
+            <a:picLocks noChangeAspect="1"/>
+          </p:cNvPicPr>
+          <p:nvPr/>
+        </p:nvPicPr>
+        <p:blipFill>
+          <a:blip r:embed="rId5">
+            <a:extLst>
+              <a:ext uri="{28A0092B-C50C-407E-A947-70E740481C1C}">
+                <a14:useLocalDpi xmlns:a14="http://schemas.microsoft.com/office/drawing/2010/main" val="0"/>
+              </a:ext>
+            </a:extLst>
+          </a:blip>
+          <a:stretch>
+            <a:fillRect/>
+          </a:stretch>
+        </p:blipFill>
+        <p:spPr>
+          <a:xfrm>
+            <a:off x="4632325" y="3886200"/>
+            <a:ext cx="4041775" cy="2346201"/>
+          </a:xfrm>
+          <a:prstGeom prst="rect">
+            <a:avLst/>
+          </a:prstGeom>
         </p:spPr>
       </p:pic>
     </p:spTree>
@@ -26693,7 +27000,7 @@
                 <p:ph sz="quarter" idx="1"/>
                 <p:extLst>
                   <p:ext uri="{D42A27DB-BD31-4B8C-83A1-F6EECF244321}">
-                    <p14:modId xmlns:p14="http://schemas.microsoft.com/office/powerpoint/2010/main" val="1772405823"/>
+                    <p14:modId xmlns:p14="http://schemas.microsoft.com/office/powerpoint/2010/main" val="3707136004"/>
                   </p:ext>
                 </p:extLst>
               </p:nvPr>
@@ -26720,7 +27027,7 @@
                 <p:ph sz="quarter" idx="1"/>
                 <p:extLst>
                   <p:ext uri="{D42A27DB-BD31-4B8C-83A1-F6EECF244321}">
-                    <p14:modId xmlns:p14="http://schemas.microsoft.com/office/powerpoint/2010/main" val="1772405823"/>
+                    <p14:modId xmlns:p14="http://schemas.microsoft.com/office/powerpoint/2010/main" val="3707136004"/>
                   </p:ext>
                 </p:extLst>
               </p:nvPr>
@@ -28222,7 +28529,9 @@
             </p:nvSpPr>
             <p:spPr/>
             <p:txBody>
-              <a:bodyPr/>
+              <a:bodyPr>
+                <a:noAutofit/>
+              </a:bodyPr>
               <a:lstStyle/>
               <a:p>
                 <a:pPr/>
@@ -28235,7 +28544,7 @@
                       <m:sSub>
                         <m:sSubPr>
                           <m:ctrlPr>
-                            <a:rPr lang="en-GB" b="0" i="1" smtClean="0">
+                            <a:rPr lang="en-GB" sz="2800" b="0" i="1" smtClean="0">
                               <a:latin typeface="Cambria Math"/>
                             </a:rPr>
                           </m:ctrlPr>
@@ -28245,14 +28554,14 @@
                             <m:accPr>
                               <m:chr m:val="̂"/>
                               <m:ctrlPr>
-                                <a:rPr lang="en-GB" b="0" i="1" smtClean="0">
+                                <a:rPr lang="en-GB" sz="2800" b="0" i="1" smtClean="0">
                                   <a:latin typeface="Cambria Math"/>
                                 </a:rPr>
                               </m:ctrlPr>
                             </m:accPr>
                             <m:e>
                               <m:r>
-                                <a:rPr lang="en-GB" b="0" i="1" smtClean="0">
+                                <a:rPr lang="en-GB" sz="2800" b="0" i="1" smtClean="0">
                                   <a:latin typeface="Cambria Math"/>
                                 </a:rPr>
                                 <m:t>𝐻</m:t>
@@ -28262,19 +28571,19 @@
                         </m:e>
                         <m:sub>
                           <m:r>
-                            <a:rPr lang="en-GB" b="0" i="1" smtClean="0">
+                            <a:rPr lang="en-GB" sz="2800" b="0" i="1" smtClean="0">
                               <a:latin typeface="Cambria Math"/>
                             </a:rPr>
                             <m:t>𝑁</m:t>
                           </m:r>
                           <m:r>
-                            <a:rPr lang="en-GB" b="0" i="1" smtClean="0">
+                            <a:rPr lang="en-GB" sz="2800" b="0" i="1" smtClean="0">
                               <a:latin typeface="Cambria Math"/>
                             </a:rPr>
                             <m:t>,</m:t>
                           </m:r>
                           <m:r>
-                            <a:rPr lang="en-GB" b="0" i="1" smtClean="0">
+                            <a:rPr lang="en-GB" sz="2800" b="0" i="1" smtClean="0">
                               <a:latin typeface="Cambria Math"/>
                             </a:rPr>
                             <m:t>𝑘</m:t>
@@ -28282,7 +28591,7 @@
                         </m:sub>
                       </m:sSub>
                       <m:r>
-                        <a:rPr lang="en-GB" b="0" i="1" smtClean="0">
+                        <a:rPr lang="en-GB" sz="2800" b="0" i="1" smtClean="0">
                           <a:latin typeface="Cambria Math"/>
                         </a:rPr>
                         <m:t>=</m:t>
@@ -28290,14 +28599,14 @@
                       <m:f>
                         <m:fPr>
                           <m:ctrlPr>
-                            <a:rPr lang="en-GB" b="0" i="1" smtClean="0">
+                            <a:rPr lang="en-GB" sz="2800" b="0" i="1" smtClean="0">
                               <a:latin typeface="Cambria Math"/>
                             </a:rPr>
                           </m:ctrlPr>
                         </m:fPr>
                         <m:num>
                           <m:r>
-                            <a:rPr lang="en-GB" b="0" i="1" smtClean="0">
+                            <a:rPr lang="en-GB" sz="2800" b="0" i="1" smtClean="0">
                               <a:latin typeface="Cambria Math"/>
                             </a:rPr>
                             <m:t>1</m:t>
@@ -28305,7 +28614,7 @@
                         </m:num>
                         <m:den>
                           <m:r>
-                            <a:rPr lang="en-GB" b="0" i="1" smtClean="0">
+                            <a:rPr lang="en-GB" sz="2800" b="0" i="1" smtClean="0">
                               <a:latin typeface="Cambria Math"/>
                             </a:rPr>
                             <m:t>𝑁</m:t>
@@ -28316,7 +28625,7 @@
                         <m:naryPr>
                           <m:chr m:val="∑"/>
                           <m:ctrlPr>
-                            <a:rPr lang="en-GB" b="0" i="1" smtClean="0">
+                            <a:rPr lang="en-GB" sz="2800" b="0" i="1" smtClean="0">
                               <a:latin typeface="Cambria Math"/>
                             </a:rPr>
                           </m:ctrlPr>
@@ -28326,13 +28635,13 @@
                             <m:rPr>
                               <m:brk m:alnAt="23"/>
                             </m:rPr>
-                            <a:rPr lang="en-GB" b="0" i="1" smtClean="0">
+                            <a:rPr lang="en-GB" sz="2800" b="0" i="1" smtClean="0">
                               <a:latin typeface="Cambria Math"/>
                             </a:rPr>
                             <m:t>𝑖</m:t>
                           </m:r>
                           <m:r>
-                            <a:rPr lang="en-GB" b="0" i="1" smtClean="0">
+                            <a:rPr lang="en-GB" sz="2800" b="0" i="1" smtClean="0">
                               <a:latin typeface="Cambria Math"/>
                             </a:rPr>
                             <m:t>=1</m:t>
@@ -28340,7 +28649,7 @@
                         </m:sub>
                         <m:sup>
                           <m:r>
-                            <a:rPr lang="en-GB" b="0" i="1" smtClean="0">
+                            <a:rPr lang="en-GB" sz="2800" b="0" i="1" smtClean="0">
                               <a:latin typeface="Cambria Math"/>
                             </a:rPr>
                             <m:t>𝑁</m:t>
@@ -28348,17 +28657,20 @@
                         </m:sup>
                         <m:e>
                           <m:r>
-                            <a:rPr lang="en-GB" b="0" i="1" smtClean="0">
+                            <m:rPr>
+                              <m:sty m:val="p"/>
+                            </m:rPr>
+                            <a:rPr lang="en-GB" sz="2800" b="0" i="1" smtClean="0">
                               <a:latin typeface="Cambria Math"/>
                             </a:rPr>
-                            <m:t>𝑙𝑜𝑔</m:t>
+                            <m:t>log</m:t>
                           </m:r>
                           <m:d>
                             <m:dPr>
                               <m:begChr m:val="["/>
                               <m:endChr m:val="]"/>
                               <m:ctrlPr>
-                                <a:rPr lang="en-GB" b="0" i="1" smtClean="0">
+                                <a:rPr lang="en-GB" sz="2800" b="0" i="1" smtClean="0">
                                   <a:latin typeface="Cambria Math"/>
                                 </a:rPr>
                               </m:ctrlPr>
@@ -28367,7 +28679,7 @@
                               <m:f>
                                 <m:fPr>
                                   <m:ctrlPr>
-                                    <a:rPr lang="en-GB" b="0" i="1" smtClean="0">
+                                    <a:rPr lang="en-GB" sz="2800" b="0" i="1" smtClean="0">
                                       <a:latin typeface="Cambria Math"/>
                                     </a:rPr>
                                   </m:ctrlPr>
@@ -28376,7 +28688,7 @@
                                   <m:sSubSup>
                                     <m:sSubSupPr>
                                       <m:ctrlPr>
-                                        <a:rPr lang="en-GB" b="0" i="1" smtClean="0">
+                                        <a:rPr lang="en-GB" sz="2800" b="0" i="1" smtClean="0">
                                           <a:latin typeface="Cambria Math"/>
                                         </a:rPr>
                                       </m:ctrlPr>
@@ -28385,14 +28697,14 @@
                                       <m:sSub>
                                         <m:sSubPr>
                                           <m:ctrlPr>
-                                            <a:rPr lang="en-GB" b="0" i="1" smtClean="0">
+                                            <a:rPr lang="en-GB" sz="2800" b="0" i="1" smtClean="0">
                                               <a:latin typeface="Cambria Math"/>
                                             </a:rPr>
                                           </m:ctrlPr>
                                         </m:sSubPr>
                                         <m:e>
                                           <m:r>
-                                            <a:rPr lang="en-GB" b="0" i="1" smtClean="0">
+                                            <a:rPr lang="en-GB" sz="2800" b="0" i="1" smtClean="0">
                                               <a:latin typeface="Cambria Math"/>
                                               <a:ea typeface="Cambria Math"/>
                                             </a:rPr>
@@ -28403,14 +28715,14 @@
                                           <m:d>
                                             <m:dPr>
                                               <m:ctrlPr>
-                                                <a:rPr lang="en-GB" b="0" i="1" smtClean="0">
+                                                <a:rPr lang="en-GB" sz="2800" b="0" i="1" smtClean="0">
                                                   <a:latin typeface="Cambria Math"/>
                                                 </a:rPr>
                                               </m:ctrlPr>
                                             </m:dPr>
                                             <m:e>
                                               <m:r>
-                                                <a:rPr lang="en-GB" b="0" i="1" smtClean="0">
+                                                <a:rPr lang="en-GB" sz="2800" b="0" i="1" smtClean="0">
                                                   <a:latin typeface="Cambria Math"/>
                                                 </a:rPr>
                                                 <m:t>𝑘</m:t>
@@ -28418,13 +28730,13 @@
                                             </m:e>
                                           </m:d>
                                           <m:r>
-                                            <a:rPr lang="en-GB" b="0" i="1" smtClean="0">
+                                            <a:rPr lang="en-GB" sz="2800" b="0" i="1" smtClean="0">
                                               <a:latin typeface="Cambria Math"/>
                                             </a:rPr>
                                             <m:t>, </m:t>
                                           </m:r>
                                           <m:r>
-                                            <a:rPr lang="en-GB" b="0" i="1" smtClean="0">
+                                            <a:rPr lang="en-GB" sz="2800" b="0" i="1" smtClean="0">
                                               <a:latin typeface="Cambria Math"/>
                                             </a:rPr>
                                             <m:t>𝑖</m:t>
@@ -28435,7 +28747,7 @@
                                     <m:sub/>
                                     <m:sup>
                                       <m:r>
-                                        <a:rPr lang="en-GB" b="0" i="1" smtClean="0">
+                                        <a:rPr lang="en-GB" sz="2800" b="0" i="1" smtClean="0">
                                           <a:latin typeface="Cambria Math"/>
                                         </a:rPr>
                                         <m:t>𝑑</m:t>
@@ -28445,14 +28757,14 @@
                                   <m:sSub>
                                     <m:sSubPr>
                                       <m:ctrlPr>
-                                        <a:rPr lang="en-GB" b="0" i="1" smtClean="0">
+                                        <a:rPr lang="en-GB" sz="2800" b="0" i="1" smtClean="0">
                                           <a:latin typeface="Cambria Math"/>
                                         </a:rPr>
                                       </m:ctrlPr>
                                     </m:sSubPr>
                                     <m:e>
                                       <m:r>
-                                        <a:rPr lang="en-GB" b="0" i="1" smtClean="0">
+                                        <a:rPr lang="en-GB" sz="2800" b="0" i="1" smtClean="0">
                                           <a:latin typeface="Cambria Math"/>
                                         </a:rPr>
                                         <m:t>𝑉</m:t>
@@ -28460,7 +28772,7 @@
                                     </m:e>
                                     <m:sub>
                                       <m:r>
-                                        <a:rPr lang="en-GB" b="0" i="1" smtClean="0">
+                                        <a:rPr lang="en-GB" sz="2800" b="0" i="1" smtClean="0">
                                           <a:latin typeface="Cambria Math"/>
                                         </a:rPr>
                                         <m:t>𝑑</m:t>
@@ -28470,20 +28782,20 @@
                                   <m:d>
                                     <m:dPr>
                                       <m:ctrlPr>
-                                        <a:rPr lang="en-GB" b="0" i="1" smtClean="0">
+                                        <a:rPr lang="en-GB" sz="2800" b="0" i="1" smtClean="0">
                                           <a:latin typeface="Cambria Math"/>
                                         </a:rPr>
                                       </m:ctrlPr>
                                     </m:dPr>
                                     <m:e>
                                       <m:r>
-                                        <a:rPr lang="en-GB" b="0" i="1" smtClean="0">
+                                        <a:rPr lang="en-GB" sz="2800" b="0" i="1" smtClean="0">
                                           <a:latin typeface="Cambria Math"/>
                                         </a:rPr>
                                         <m:t>𝑁</m:t>
                                       </m:r>
                                       <m:r>
-                                        <a:rPr lang="en-GB" b="0" i="1" smtClean="0">
+                                        <a:rPr lang="en-GB" sz="2800" b="0" i="1" smtClean="0">
                                           <a:latin typeface="Cambria Math"/>
                                         </a:rPr>
                                         <m:t>−1</m:t>
@@ -28495,14 +28807,14 @@
                                   <m:sSup>
                                     <m:sSupPr>
                                       <m:ctrlPr>
-                                        <a:rPr lang="en-GB" b="0" i="1" smtClean="0">
+                                        <a:rPr lang="en-GB" sz="2800" b="0" i="1" smtClean="0">
                                           <a:latin typeface="Cambria Math"/>
                                         </a:rPr>
                                       </m:ctrlPr>
                                     </m:sSupPr>
                                     <m:e>
                                       <m:r>
-                                        <a:rPr lang="en-GB" b="0" i="1" smtClean="0">
+                                        <a:rPr lang="en-GB" sz="2800" b="0" i="1" smtClean="0">
                                           <a:latin typeface="Cambria Math"/>
                                         </a:rPr>
                                         <m:t>𝑒</m:t>
@@ -28513,28 +28825,28 @@
                                         <m:rPr>
                                           <m:sty m:val="p"/>
                                         </m:rPr>
-                                        <a:rPr lang="el-GR" b="0" i="1" smtClean="0">
+                                        <a:rPr lang="el-GR" sz="2800" b="0" i="1" smtClean="0">
                                           <a:latin typeface="Cambria Math"/>
                                           <a:ea typeface="Cambria Math"/>
                                         </a:rPr>
                                         <m:t>Ψ</m:t>
                                       </m:r>
                                       <m:r>
-                                        <a:rPr lang="en-GB" b="0" i="1" smtClean="0">
+                                        <a:rPr lang="en-GB" sz="2800" b="0" i="1" smtClean="0">
                                           <a:latin typeface="Cambria Math"/>
                                           <a:ea typeface="Cambria Math"/>
                                         </a:rPr>
                                         <m:t>(</m:t>
                                       </m:r>
                                       <m:r>
-                                        <a:rPr lang="en-GB" b="0" i="1" smtClean="0">
+                                        <a:rPr lang="en-GB" sz="2800" b="0" i="1" smtClean="0">
                                           <a:latin typeface="Cambria Math"/>
                                           <a:ea typeface="Cambria Math"/>
                                         </a:rPr>
                                         <m:t>𝑘</m:t>
                                       </m:r>
                                       <m:r>
-                                        <a:rPr lang="en-GB" b="0" i="1" smtClean="0">
+                                        <a:rPr lang="en-GB" sz="2800" b="0" i="1" smtClean="0">
                                           <a:latin typeface="Cambria Math"/>
                                           <a:ea typeface="Cambria Math"/>
                                         </a:rPr>
@@ -28551,7 +28863,7 @@
                     </m:oMath>
                   </m:oMathPara>
                 </a14:m>
-                <a:endParaRPr lang="en-GB" dirty="0"/>
+                <a:endParaRPr lang="en-GB" sz="2800" dirty="0"/>
               </a:p>
             </p:txBody>
           </p:sp>
@@ -28571,7 +28883,7 @@
               <a:blipFill rotWithShape="1">
                 <a:blip r:embed="rId2"/>
                 <a:stretch>
-                  <a:fillRect/>
+                  <a:fillRect b="-8511"/>
                 </a:stretch>
               </a:blipFill>
             </p:spPr>
@@ -29336,7 +29648,25 @@
                 </a:r>
                 <a:r>
                   <a:rPr lang="en-GB" dirty="0"/>
-                  <a:t>the value of k chosen, and </a:t>
+                  <a:t>the value of </a:t>
+                </a:r>
+                <a14:m>
+                  <m:oMath xmlns:m="http://schemas.openxmlformats.org/officeDocument/2006/math">
+                    <m:r>
+                      <a:rPr lang="en-GB" i="1">
+                        <a:latin typeface="Cambria Math"/>
+                      </a:rPr>
+                      <m:t>𝑘</m:t>
+                    </m:r>
+                  </m:oMath>
+                </a14:m>
+                <a:r>
+                  <a:rPr lang="en-GB" dirty="0" smtClean="0"/>
+                  <a:t> </a:t>
+                </a:r>
+                <a:r>
+                  <a:rPr lang="en-GB" dirty="0"/>
+                  <a:t>chosen, and </a:t>
                 </a:r>
                 <a:r>
                   <a:rPr lang="en-GB" dirty="0" smtClean="0"/>
@@ -30073,8 +30403,8 @@
           </a:p>
         </p:txBody>
       </p:sp>
-      <mc:AlternateContent xmlns:mc="http://schemas.openxmlformats.org/markup-compatibility/2006" xmlns:a14="http://schemas.microsoft.com/office/drawing/2010/main">
-        <mc:Choice Requires="a14">
+      <mc:AlternateContent xmlns:mc="http://schemas.openxmlformats.org/markup-compatibility/2006">
+        <mc:Choice xmlns:a14="http://schemas.microsoft.com/office/drawing/2010/main" Requires="a14">
           <p:sp>
             <p:nvSpPr>
               <p:cNvPr id="5" name="Content Placeholder 4"/>
@@ -30085,7 +30415,12 @@
                 <p:ph sz="quarter" idx="1"/>
               </p:nvPr>
             </p:nvSpPr>
-            <p:spPr/>
+            <p:spPr>
+              <a:xfrm>
+                <a:off x="457200" y="1143000"/>
+                <a:ext cx="8229600" cy="4937760"/>
+              </a:xfrm>
+            </p:spPr>
             <p:txBody>
               <a:bodyPr/>
               <a:lstStyle/>
@@ -30177,7 +30512,7 @@
                         <a:rPr lang="en-GB" b="0" i="1" smtClean="0">
                           <a:latin typeface="Cambria Math"/>
                         </a:rPr>
-                        <m:t>=</m:t>
+                        <m:t>≈</m:t>
                       </m:r>
                       <m:f>
                         <m:fPr>
@@ -30223,19 +30558,6 @@
                           </m:sSup>
                         </m:den>
                       </m:f>
-                      <m:r>
-                        <a:rPr lang="en-GB" b="0" i="1" smtClean="0">
-                          <a:latin typeface="Cambria Math"/>
-                        </a:rPr>
-                        <m:t>+</m:t>
-                      </m:r>
-                      <m:r>
-                        <a:rPr lang="en-GB" b="0" i="1" smtClean="0">
-                          <a:latin typeface="Cambria Math"/>
-                          <a:ea typeface="Cambria Math"/>
-                        </a:rPr>
-                        <m:t>𝜉</m:t>
-                      </m:r>
                     </m:oMath>
                   </m:oMathPara>
                 </a14:m>
@@ -30266,29 +30588,25 @@
                   </m:oMath>
                 </a14:m>
                 <a:r>
-                  <a:rPr lang="en-GB" sz="2400" dirty="0" smtClean="0"/>
+                  <a:rPr lang="en-GB" sz="2000" dirty="0" smtClean="0"/>
                   <a:t> and </a:t>
                 </a:r>
                 <a14:m>
                   <m:oMath xmlns:m="http://schemas.openxmlformats.org/officeDocument/2006/math">
                     <m:r>
-                      <a:rPr lang="en-GB" sz="2400" i="1">
+                      <a:rPr lang="en-GB" sz="2000" b="0" i="1" smtClean="0">
                         <a:latin typeface="Cambria Math"/>
-                        <a:ea typeface="Cambria Math"/>
                       </a:rPr>
-                      <m:t>𝜉</m:t>
+                      <m:t>𝑐</m:t>
+                    </m:r>
+                    <m:r>
+                      <a:rPr lang="en-GB" sz="2000" b="0" i="1" smtClean="0">
+                        <a:latin typeface="Cambria Math"/>
+                      </a:rPr>
+                      <m:t>&gt;0</m:t>
                     </m:r>
                   </m:oMath>
                 </a14:m>
-                <a:r>
-                  <a:rPr lang="en-GB" sz="2400" dirty="0" smtClean="0"/>
-                  <a:t> is the error term.</a:t>
-                </a:r>
-              </a:p>
-              <a:p>
-                <a:pPr marL="0" indent="0">
-                  <a:buNone/>
-                </a:pPr>
                 <a:endParaRPr lang="en-GB" sz="2000" dirty="0"/>
               </a:p>
               <a:p>
@@ -30523,7 +30841,7 @@
             </p:txBody>
           </p:sp>
         </mc:Choice>
-        <mc:Fallback xmlns="">
+        <mc:Fallback>
           <p:sp>
             <p:nvSpPr>
               <p:cNvPr id="5" name="Content Placeholder 4"/>
@@ -30535,6 +30853,10 @@
               </p:nvPr>
             </p:nvSpPr>
             <p:spPr>
+              <a:xfrm>
+                <a:off x="457200" y="1143000"/>
+                <a:ext cx="8229600" cy="4937760"/>
+              </a:xfrm>
               <a:blipFill rotWithShape="1">
                 <a:blip r:embed="rId2"/>
                 <a:stretch>
@@ -30603,7 +30925,7 @@
                                         <p:tgtEl>
                                           <p:spTgt spid="5">
                                             <p:txEl>
-                                              <p:pRg st="4" end="4"/>
+                                              <p:pRg st="3" end="3"/>
                                             </p:txEl>
                                           </p:spTgt>
                                         </p:tgtEl>
@@ -30634,7 +30956,7 @@
                                         <p:tgtEl>
                                           <p:spTgt spid="5">
                                             <p:txEl>
-                                              <p:pRg st="5" end="5"/>
+                                              <p:pRg st="4" end="4"/>
                                             </p:txEl>
                                           </p:spTgt>
                                         </p:tgtEl>
@@ -30824,7 +31146,7 @@
                 <p:ph sz="quarter" idx="1"/>
                 <p:extLst>
                   <p:ext uri="{D42A27DB-BD31-4B8C-83A1-F6EECF244321}">
-                    <p14:modId xmlns:p14="http://schemas.microsoft.com/office/powerpoint/2010/main" val="2561867964"/>
+                    <p14:modId xmlns:p14="http://schemas.microsoft.com/office/powerpoint/2010/main" val="3353753449"/>
                   </p:ext>
                 </p:extLst>
               </p:nvPr>
@@ -30851,7 +31173,7 @@
                 <p:ph sz="quarter" idx="1"/>
                 <p:extLst>
                   <p:ext uri="{D42A27DB-BD31-4B8C-83A1-F6EECF244321}">
-                    <p14:modId xmlns:p14="http://schemas.microsoft.com/office/powerpoint/2010/main" val="2561867964"/>
+                    <p14:modId xmlns:p14="http://schemas.microsoft.com/office/powerpoint/2010/main" val="3353753449"/>
                   </p:ext>
                 </p:extLst>
               </p:nvPr>
